--- a/新天地.pptx
+++ b/新天地.pptx
@@ -2,7 +2,7 @@
 <file path=ppt/presentation.xml><?xml version="1.0" encoding="utf-8"?>
 <p:presentation xmlns:a="http://schemas.openxmlformats.org/drawingml/2006/main" xmlns:r="http://schemas.openxmlformats.org/officeDocument/2006/relationships" xmlns:p="http://schemas.openxmlformats.org/presentationml/2006/main" saveSubsetFonts="1">
   <p:sldMasterIdLst>
-    <p:sldMasterId id="2147483648" r:id="rId1"/>
+    <p:sldMasterId id="2147483660" r:id="rId1"/>
   </p:sldMasterIdLst>
   <p:sldIdLst>
     <p:sldId id="258" r:id="rId2"/>
@@ -291,7 +291,8 @@
           <a:p>
             <a:fld id="{0EF72F35-77C4-41BF-950F-73E663C0E457}" type="datetimeFigureOut">
               <a:rPr lang="zh-TW" altLang="en-US" smtClean="0"/>
-              <a:t>2018/8/18</a:t>
+              <a:pPr/>
+              <a:t>2019/3/16</a:t>
             </a:fld>
             <a:endParaRPr lang="zh-TW" altLang="en-US"/>
           </a:p>
@@ -333,6 +334,7 @@
           <a:p>
             <a:fld id="{A22B37AB-D80D-4DD8-BB31-748061018033}" type="slidenum">
               <a:rPr lang="zh-TW" altLang="en-US" smtClean="0"/>
+              <a:pPr/>
               <a:t>‹#›</a:t>
             </a:fld>
             <a:endParaRPr lang="zh-TW" altLang="en-US"/>
@@ -456,7 +458,8 @@
           <a:p>
             <a:fld id="{0EF72F35-77C4-41BF-950F-73E663C0E457}" type="datetimeFigureOut">
               <a:rPr lang="zh-TW" altLang="en-US" smtClean="0"/>
-              <a:t>2018/8/18</a:t>
+              <a:pPr/>
+              <a:t>2019/3/16</a:t>
             </a:fld>
             <a:endParaRPr lang="zh-TW" altLang="en-US"/>
           </a:p>
@@ -498,6 +501,7 @@
           <a:p>
             <a:fld id="{A22B37AB-D80D-4DD8-BB31-748061018033}" type="slidenum">
               <a:rPr lang="zh-TW" altLang="en-US" smtClean="0"/>
+              <a:pPr/>
               <a:t>‹#›</a:t>
             </a:fld>
             <a:endParaRPr lang="zh-TW" altLang="en-US"/>
@@ -631,7 +635,8 @@
           <a:p>
             <a:fld id="{0EF72F35-77C4-41BF-950F-73E663C0E457}" type="datetimeFigureOut">
               <a:rPr lang="zh-TW" altLang="en-US" smtClean="0"/>
-              <a:t>2018/8/18</a:t>
+              <a:pPr/>
+              <a:t>2019/3/16</a:t>
             </a:fld>
             <a:endParaRPr lang="zh-TW" altLang="en-US"/>
           </a:p>
@@ -673,6 +678,7 @@
           <a:p>
             <a:fld id="{A22B37AB-D80D-4DD8-BB31-748061018033}" type="slidenum">
               <a:rPr lang="zh-TW" altLang="en-US" smtClean="0"/>
+              <a:pPr/>
               <a:t>‹#›</a:t>
             </a:fld>
             <a:endParaRPr lang="zh-TW" altLang="en-US"/>
@@ -796,7 +802,8 @@
           <a:p>
             <a:fld id="{0EF72F35-77C4-41BF-950F-73E663C0E457}" type="datetimeFigureOut">
               <a:rPr lang="zh-TW" altLang="en-US" smtClean="0"/>
-              <a:t>2018/8/18</a:t>
+              <a:pPr/>
+              <a:t>2019/3/16</a:t>
             </a:fld>
             <a:endParaRPr lang="zh-TW" altLang="en-US"/>
           </a:p>
@@ -838,6 +845,7 @@
           <a:p>
             <a:fld id="{A22B37AB-D80D-4DD8-BB31-748061018033}" type="slidenum">
               <a:rPr lang="zh-TW" altLang="en-US" smtClean="0"/>
+              <a:pPr/>
               <a:t>‹#›</a:t>
             </a:fld>
             <a:endParaRPr lang="zh-TW" altLang="en-US"/>
@@ -1037,7 +1045,8 @@
           <a:p>
             <a:fld id="{0EF72F35-77C4-41BF-950F-73E663C0E457}" type="datetimeFigureOut">
               <a:rPr lang="zh-TW" altLang="en-US" smtClean="0"/>
-              <a:t>2018/8/18</a:t>
+              <a:pPr/>
+              <a:t>2019/3/16</a:t>
             </a:fld>
             <a:endParaRPr lang="zh-TW" altLang="en-US"/>
           </a:p>
@@ -1079,6 +1088,7 @@
           <a:p>
             <a:fld id="{A22B37AB-D80D-4DD8-BB31-748061018033}" type="slidenum">
               <a:rPr lang="zh-TW" altLang="en-US" smtClean="0"/>
+              <a:pPr/>
               <a:t>‹#›</a:t>
             </a:fld>
             <a:endParaRPr lang="zh-TW" altLang="en-US"/>
@@ -1320,7 +1330,8 @@
           <a:p>
             <a:fld id="{0EF72F35-77C4-41BF-950F-73E663C0E457}" type="datetimeFigureOut">
               <a:rPr lang="zh-TW" altLang="en-US" smtClean="0"/>
-              <a:t>2018/8/18</a:t>
+              <a:pPr/>
+              <a:t>2019/3/16</a:t>
             </a:fld>
             <a:endParaRPr lang="zh-TW" altLang="en-US"/>
           </a:p>
@@ -1362,6 +1373,7 @@
           <a:p>
             <a:fld id="{A22B37AB-D80D-4DD8-BB31-748061018033}" type="slidenum">
               <a:rPr lang="zh-TW" altLang="en-US" smtClean="0"/>
+              <a:pPr/>
               <a:t>‹#›</a:t>
             </a:fld>
             <a:endParaRPr lang="zh-TW" altLang="en-US"/>
@@ -1737,7 +1749,8 @@
           <a:p>
             <a:fld id="{0EF72F35-77C4-41BF-950F-73E663C0E457}" type="datetimeFigureOut">
               <a:rPr lang="zh-TW" altLang="en-US" smtClean="0"/>
-              <a:t>2018/8/18</a:t>
+              <a:pPr/>
+              <a:t>2019/3/16</a:t>
             </a:fld>
             <a:endParaRPr lang="zh-TW" altLang="en-US"/>
           </a:p>
@@ -1779,6 +1792,7 @@
           <a:p>
             <a:fld id="{A22B37AB-D80D-4DD8-BB31-748061018033}" type="slidenum">
               <a:rPr lang="zh-TW" altLang="en-US" smtClean="0"/>
+              <a:pPr/>
               <a:t>‹#›</a:t>
             </a:fld>
             <a:endParaRPr lang="zh-TW" altLang="en-US"/>
@@ -1850,7 +1864,8 @@
           <a:p>
             <a:fld id="{0EF72F35-77C4-41BF-950F-73E663C0E457}" type="datetimeFigureOut">
               <a:rPr lang="zh-TW" altLang="en-US" smtClean="0"/>
-              <a:t>2018/8/18</a:t>
+              <a:pPr/>
+              <a:t>2019/3/16</a:t>
             </a:fld>
             <a:endParaRPr lang="zh-TW" altLang="en-US"/>
           </a:p>
@@ -1892,6 +1907,7 @@
           <a:p>
             <a:fld id="{A22B37AB-D80D-4DD8-BB31-748061018033}" type="slidenum">
               <a:rPr lang="zh-TW" altLang="en-US" smtClean="0"/>
+              <a:pPr/>
               <a:t>‹#›</a:t>
             </a:fld>
             <a:endParaRPr lang="zh-TW" altLang="en-US"/>
@@ -1940,7 +1956,8 @@
           <a:p>
             <a:fld id="{0EF72F35-77C4-41BF-950F-73E663C0E457}" type="datetimeFigureOut">
               <a:rPr lang="zh-TW" altLang="en-US" smtClean="0"/>
-              <a:t>2018/8/18</a:t>
+              <a:pPr/>
+              <a:t>2019/3/16</a:t>
             </a:fld>
             <a:endParaRPr lang="zh-TW" altLang="en-US"/>
           </a:p>
@@ -1982,6 +1999,7 @@
           <a:p>
             <a:fld id="{A22B37AB-D80D-4DD8-BB31-748061018033}" type="slidenum">
               <a:rPr lang="zh-TW" altLang="en-US" smtClean="0"/>
+              <a:pPr/>
               <a:t>‹#›</a:t>
             </a:fld>
             <a:endParaRPr lang="zh-TW" altLang="en-US"/>
@@ -2212,7 +2230,8 @@
           <a:p>
             <a:fld id="{0EF72F35-77C4-41BF-950F-73E663C0E457}" type="datetimeFigureOut">
               <a:rPr lang="zh-TW" altLang="en-US" smtClean="0"/>
-              <a:t>2018/8/18</a:t>
+              <a:pPr/>
+              <a:t>2019/3/16</a:t>
             </a:fld>
             <a:endParaRPr lang="zh-TW" altLang="en-US"/>
           </a:p>
@@ -2254,6 +2273,7 @@
           <a:p>
             <a:fld id="{A22B37AB-D80D-4DD8-BB31-748061018033}" type="slidenum">
               <a:rPr lang="zh-TW" altLang="en-US" smtClean="0"/>
+              <a:pPr/>
               <a:t>‹#›</a:t>
             </a:fld>
             <a:endParaRPr lang="zh-TW" altLang="en-US"/>
@@ -2374,6 +2394,10 @@
             </a:lvl9pPr>
           </a:lstStyle>
           <a:p>
+            <a:r>
+              <a:rPr lang="zh-TW" altLang="en-US" smtClean="0"/>
+              <a:t>按一下圖示以新增圖片</a:t>
+            </a:r>
             <a:endParaRPr lang="zh-TW" altLang="en-US"/>
           </a:p>
         </p:txBody>
@@ -2460,7 +2484,8 @@
           <a:p>
             <a:fld id="{0EF72F35-77C4-41BF-950F-73E663C0E457}" type="datetimeFigureOut">
               <a:rPr lang="zh-TW" altLang="en-US" smtClean="0"/>
-              <a:t>2018/8/18</a:t>
+              <a:pPr/>
+              <a:t>2019/3/16</a:t>
             </a:fld>
             <a:endParaRPr lang="zh-TW" altLang="en-US"/>
           </a:p>
@@ -2502,6 +2527,7 @@
           <a:p>
             <a:fld id="{A22B37AB-D80D-4DD8-BB31-748061018033}" type="slidenum">
               <a:rPr lang="zh-TW" altLang="en-US" smtClean="0"/>
+              <a:pPr/>
               <a:t>‹#›</a:t>
             </a:fld>
             <a:endParaRPr lang="zh-TW" altLang="en-US"/>
@@ -2520,9 +2546,14 @@
 <p:sldMaster xmlns:a="http://schemas.openxmlformats.org/drawingml/2006/main" xmlns:r="http://schemas.openxmlformats.org/officeDocument/2006/relationships" xmlns:p="http://schemas.openxmlformats.org/presentationml/2006/main">
   <p:cSld>
     <p:bg>
-      <p:bgRef idx="1001">
-        <a:schemeClr val="bg1"/>
-      </p:bgRef>
+      <p:bgPr>
+        <a:blipFill dpi="0" rotWithShape="1">
+          <a:blip r:embed="rId13"/>
+          <a:srcRect/>
+          <a:tile tx="0" ty="0" sx="100000" sy="100000" flip="none" algn="tl"/>
+        </a:blipFill>
+        <a:effectLst/>
+      </p:bgPr>
     </p:bg>
     <p:spTree>
       <p:nvGrpSpPr>
@@ -2668,7 +2699,8 @@
           <a:p>
             <a:fld id="{0EF72F35-77C4-41BF-950F-73E663C0E457}" type="datetimeFigureOut">
               <a:rPr lang="zh-TW" altLang="en-US" smtClean="0"/>
-              <a:t>2018/8/18</a:t>
+              <a:pPr/>
+              <a:t>2019/3/16</a:t>
             </a:fld>
             <a:endParaRPr lang="zh-TW" altLang="en-US"/>
           </a:p>
@@ -2746,6 +2778,7 @@
           <a:p>
             <a:fld id="{A22B37AB-D80D-4DD8-BB31-748061018033}" type="slidenum">
               <a:rPr lang="zh-TW" altLang="en-US" smtClean="0"/>
+              <a:pPr/>
               <a:t>‹#›</a:t>
             </a:fld>
             <a:endParaRPr lang="zh-TW" altLang="en-US"/>
@@ -2756,17 +2789,17 @@
   </p:cSld>
   <p:clrMap bg1="lt1" tx1="dk1" bg2="lt2" tx2="dk2" accent1="accent1" accent2="accent2" accent3="accent3" accent4="accent4" accent5="accent5" accent6="accent6" hlink="hlink" folHlink="folHlink"/>
   <p:sldLayoutIdLst>
-    <p:sldLayoutId id="2147483649" r:id="rId1"/>
-    <p:sldLayoutId id="2147483650" r:id="rId2"/>
-    <p:sldLayoutId id="2147483651" r:id="rId3"/>
-    <p:sldLayoutId id="2147483652" r:id="rId4"/>
-    <p:sldLayoutId id="2147483653" r:id="rId5"/>
-    <p:sldLayoutId id="2147483654" r:id="rId6"/>
-    <p:sldLayoutId id="2147483655" r:id="rId7"/>
-    <p:sldLayoutId id="2147483656" r:id="rId8"/>
-    <p:sldLayoutId id="2147483657" r:id="rId9"/>
-    <p:sldLayoutId id="2147483658" r:id="rId10"/>
-    <p:sldLayoutId id="2147483659" r:id="rId11"/>
+    <p:sldLayoutId id="2147483661" r:id="rId1"/>
+    <p:sldLayoutId id="2147483662" r:id="rId2"/>
+    <p:sldLayoutId id="2147483663" r:id="rId3"/>
+    <p:sldLayoutId id="2147483664" r:id="rId4"/>
+    <p:sldLayoutId id="2147483665" r:id="rId5"/>
+    <p:sldLayoutId id="2147483666" r:id="rId6"/>
+    <p:sldLayoutId id="2147483667" r:id="rId7"/>
+    <p:sldLayoutId id="2147483668" r:id="rId8"/>
+    <p:sldLayoutId id="2147483669" r:id="rId9"/>
+    <p:sldLayoutId id="2147483670" r:id="rId10"/>
+    <p:sldLayoutId id="2147483671" r:id="rId11"/>
   </p:sldLayoutIdLst>
   <p:txStyles>
     <p:titleStyle>
@@ -3055,6 +3088,9 @@
           <a:p>
             <a:r>
               <a:rPr lang="zh-TW" altLang="en-US" b="1" dirty="0">
+                <a:solidFill>
+                  <a:srgbClr val="000066"/>
+                </a:solidFill>
                 <a:latin typeface="微軟正黑體" pitchFamily="34" charset="-120"/>
                 <a:ea typeface="微軟正黑體" pitchFamily="34" charset="-120"/>
               </a:rPr>
@@ -3085,6 +3121,9 @@
             </a:pPr>
             <a:r>
               <a:rPr lang="zh-TW" altLang="en-US" sz="5400" b="1" dirty="0">
+                <a:solidFill>
+                  <a:srgbClr val="000066"/>
+                </a:solidFill>
                 <a:latin typeface="微軟正黑體" pitchFamily="34" charset="-120"/>
                 <a:ea typeface="微軟正黑體" pitchFamily="34" charset="-120"/>
               </a:rPr>
@@ -3092,12 +3131,18 @@
             </a:r>
             <a:r>
               <a:rPr lang="zh-TW" altLang="en-US" sz="5400" b="1" dirty="0" smtClean="0">
+                <a:solidFill>
+                  <a:srgbClr val="000066"/>
+                </a:solidFill>
                 <a:latin typeface="微軟正黑體" pitchFamily="34" charset="-120"/>
                 <a:ea typeface="微軟正黑體" pitchFamily="34" charset="-120"/>
               </a:rPr>
               <a:t>面前</a:t>
             </a:r>
             <a:endParaRPr lang="en-US" altLang="zh-TW" sz="5400" b="1" dirty="0" smtClean="0">
+              <a:solidFill>
+                <a:srgbClr val="000066"/>
+              </a:solidFill>
               <a:latin typeface="微軟正黑體" pitchFamily="34" charset="-120"/>
               <a:ea typeface="微軟正黑體" pitchFamily="34" charset="-120"/>
             </a:endParaRPr>
@@ -3108,6 +3153,9 @@
             </a:pPr>
             <a:r>
               <a:rPr lang="zh-TW" altLang="en-US" sz="5400" b="1" dirty="0" smtClean="0">
+                <a:solidFill>
+                  <a:srgbClr val="000066"/>
+                </a:solidFill>
                 <a:latin typeface="微軟正黑體" pitchFamily="34" charset="-120"/>
                 <a:ea typeface="微軟正黑體" pitchFamily="34" charset="-120"/>
               </a:rPr>
@@ -3115,6 +3163,9 @@
             </a:r>
             <a:r>
               <a:rPr lang="zh-TW" altLang="en-US" sz="5400" b="1" dirty="0">
+                <a:solidFill>
+                  <a:srgbClr val="000066"/>
+                </a:solidFill>
                 <a:latin typeface="微軟正黑體" pitchFamily="34" charset="-120"/>
                 <a:ea typeface="微軟正黑體" pitchFamily="34" charset="-120"/>
               </a:rPr>
@@ -3122,12 +3173,18 @@
             </a:r>
             <a:r>
               <a:rPr lang="zh-TW" altLang="en-US" sz="5400" b="1" dirty="0" smtClean="0">
+                <a:solidFill>
+                  <a:srgbClr val="000066"/>
+                </a:solidFill>
                 <a:latin typeface="微軟正黑體" pitchFamily="34" charset="-120"/>
                 <a:ea typeface="微軟正黑體" pitchFamily="34" charset="-120"/>
               </a:rPr>
               <a:t>前</a:t>
             </a:r>
             <a:endParaRPr lang="en-US" altLang="zh-TW" sz="5400" b="1" dirty="0" smtClean="0">
+              <a:solidFill>
+                <a:srgbClr val="000066"/>
+              </a:solidFill>
               <a:latin typeface="微軟正黑體" pitchFamily="34" charset="-120"/>
               <a:ea typeface="微軟正黑體" pitchFamily="34" charset="-120"/>
             </a:endParaRPr>
@@ -3138,6 +3195,9 @@
             </a:pPr>
             <a:r>
               <a:rPr lang="zh-TW" altLang="en-US" sz="5400" b="1" dirty="0" smtClean="0">
+                <a:solidFill>
+                  <a:srgbClr val="000066"/>
+                </a:solidFill>
                 <a:latin typeface="微軟正黑體" pitchFamily="34" charset="-120"/>
                 <a:ea typeface="微軟正黑體" pitchFamily="34" charset="-120"/>
               </a:rPr>
@@ -3145,6 +3205,9 @@
             </a:r>
             <a:r>
               <a:rPr lang="zh-TW" altLang="en-US" sz="5400" b="1" dirty="0">
+                <a:solidFill>
+                  <a:srgbClr val="000066"/>
+                </a:solidFill>
                 <a:latin typeface="微軟正黑體" pitchFamily="34" charset="-120"/>
                 <a:ea typeface="微軟正黑體" pitchFamily="34" charset="-120"/>
               </a:rPr>
@@ -3152,12 +3215,18 @@
             </a:r>
             <a:r>
               <a:rPr lang="zh-TW" altLang="en-US" sz="5400" b="1" dirty="0" smtClean="0">
+                <a:solidFill>
+                  <a:srgbClr val="000066"/>
+                </a:solidFill>
                 <a:latin typeface="微軟正黑體" pitchFamily="34" charset="-120"/>
                 <a:ea typeface="微軟正黑體" pitchFamily="34" charset="-120"/>
               </a:rPr>
               <a:t>恩典</a:t>
             </a:r>
             <a:endParaRPr lang="en-US" altLang="zh-TW" sz="5400" b="1" dirty="0" smtClean="0">
+              <a:solidFill>
+                <a:srgbClr val="000066"/>
+              </a:solidFill>
               <a:latin typeface="微軟正黑體" pitchFamily="34" charset="-120"/>
               <a:ea typeface="微軟正黑體" pitchFamily="34" charset="-120"/>
             </a:endParaRPr>
@@ -3168,6 +3237,9 @@
             </a:pPr>
             <a:r>
               <a:rPr lang="zh-TW" altLang="en-US" sz="5400" b="1" dirty="0" smtClean="0">
+                <a:solidFill>
+                  <a:srgbClr val="000066"/>
+                </a:solidFill>
                 <a:latin typeface="微軟正黑體" pitchFamily="34" charset="-120"/>
                 <a:ea typeface="微軟正黑體" pitchFamily="34" charset="-120"/>
               </a:rPr>
@@ -3175,6 +3247,9 @@
             </a:r>
             <a:r>
               <a:rPr lang="zh-TW" altLang="en-US" sz="5400" b="1" dirty="0">
+                <a:solidFill>
+                  <a:srgbClr val="000066"/>
+                </a:solidFill>
                 <a:latin typeface="微軟正黑體" pitchFamily="34" charset="-120"/>
                 <a:ea typeface="微軟正黑體" pitchFamily="34" charset="-120"/>
               </a:rPr>
@@ -3182,12 +3257,18 @@
             </a:r>
             <a:r>
               <a:rPr lang="zh-TW" altLang="en-US" sz="5400" b="1" dirty="0" smtClean="0">
+                <a:solidFill>
+                  <a:srgbClr val="000066"/>
+                </a:solidFill>
                 <a:latin typeface="微軟正黑體" pitchFamily="34" charset="-120"/>
                 <a:ea typeface="微軟正黑體" pitchFamily="34" charset="-120"/>
               </a:rPr>
               <a:t>我們</a:t>
             </a:r>
             <a:endParaRPr lang="zh-TW" altLang="en-US" sz="5400" b="1" dirty="0">
+              <a:solidFill>
+                <a:srgbClr val="000066"/>
+              </a:solidFill>
               <a:latin typeface="微軟正黑體" pitchFamily="34" charset="-120"/>
               <a:ea typeface="微軟正黑體" pitchFamily="34" charset="-120"/>
             </a:endParaRPr>
@@ -3236,6 +3317,9 @@
           <a:p>
             <a:r>
               <a:rPr lang="zh-TW" altLang="en-US" b="1" dirty="0">
+                <a:solidFill>
+                  <a:srgbClr val="000066"/>
+                </a:solidFill>
                 <a:latin typeface="微軟正黑體" pitchFamily="34" charset="-120"/>
                 <a:ea typeface="微軟正黑體" pitchFamily="34" charset="-120"/>
               </a:rPr>
@@ -3266,12 +3350,18 @@
             </a:pPr>
             <a:r>
               <a:rPr lang="zh-TW" altLang="en-US" sz="5400" b="1" dirty="0">
+                <a:solidFill>
+                  <a:srgbClr val="000066"/>
+                </a:solidFill>
                 <a:latin typeface="微軟正黑體" pitchFamily="34" charset="-120"/>
                 <a:ea typeface="微軟正黑體" pitchFamily="34" charset="-120"/>
               </a:rPr>
               <a:t>我們要來到你面前</a:t>
             </a:r>
             <a:endParaRPr lang="en-US" altLang="zh-TW" sz="5400" b="1" dirty="0">
+              <a:solidFill>
+                <a:srgbClr val="000066"/>
+              </a:solidFill>
               <a:latin typeface="微軟正黑體" pitchFamily="34" charset="-120"/>
               <a:ea typeface="微軟正黑體" pitchFamily="34" charset="-120"/>
             </a:endParaRPr>
@@ -3282,12 +3372,18 @@
             </a:pPr>
             <a:r>
               <a:rPr lang="zh-TW" altLang="en-US" sz="5400" b="1" dirty="0">
+                <a:solidFill>
+                  <a:srgbClr val="000066"/>
+                </a:solidFill>
                 <a:latin typeface="微軟正黑體" pitchFamily="34" charset="-120"/>
                 <a:ea typeface="微軟正黑體" pitchFamily="34" charset="-120"/>
               </a:rPr>
               <a:t>來到主你的寶座前</a:t>
             </a:r>
             <a:endParaRPr lang="en-US" altLang="zh-TW" sz="5400" b="1" dirty="0">
+              <a:solidFill>
+                <a:srgbClr val="000066"/>
+              </a:solidFill>
               <a:latin typeface="微軟正黑體" pitchFamily="34" charset="-120"/>
               <a:ea typeface="微軟正黑體" pitchFamily="34" charset="-120"/>
             </a:endParaRPr>
@@ -3298,12 +3394,18 @@
             </a:pPr>
             <a:r>
               <a:rPr lang="zh-TW" altLang="en-US" sz="5400" b="1" dirty="0">
+                <a:solidFill>
+                  <a:srgbClr val="000066"/>
+                </a:solidFill>
                 <a:latin typeface="微軟正黑體" pitchFamily="34" charset="-120"/>
                 <a:ea typeface="微軟正黑體" pitchFamily="34" charset="-120"/>
               </a:rPr>
               <a:t>舉起雙手來讚美</a:t>
             </a:r>
             <a:endParaRPr lang="en-US" altLang="zh-TW" sz="5400" b="1" dirty="0">
+              <a:solidFill>
+                <a:srgbClr val="000066"/>
+              </a:solidFill>
               <a:latin typeface="微軟正黑體" pitchFamily="34" charset="-120"/>
               <a:ea typeface="微軟正黑體" pitchFamily="34" charset="-120"/>
             </a:endParaRPr>
@@ -3314,6 +3416,9 @@
             </a:pPr>
             <a:r>
               <a:rPr lang="zh-TW" altLang="en-US" sz="5400" b="1" dirty="0">
+                <a:solidFill>
+                  <a:srgbClr val="000066"/>
+                </a:solidFill>
                 <a:latin typeface="微軟正黑體" pitchFamily="34" charset="-120"/>
                 <a:ea typeface="微軟正黑體" pitchFamily="34" charset="-120"/>
               </a:rPr>
@@ -3364,6 +3469,9 @@
           <a:p>
             <a:r>
               <a:rPr lang="zh-TW" altLang="en-US" b="1" dirty="0">
+                <a:solidFill>
+                  <a:srgbClr val="000066"/>
+                </a:solidFill>
                 <a:latin typeface="微軟正黑體" pitchFamily="34" charset="-120"/>
                 <a:ea typeface="微軟正黑體" pitchFamily="34" charset="-120"/>
               </a:rPr>
@@ -3394,12 +3502,18 @@
             </a:pPr>
             <a:r>
               <a:rPr lang="zh-TW" altLang="en-US" sz="5400" b="1" dirty="0">
+                <a:solidFill>
+                  <a:srgbClr val="000066"/>
+                </a:solidFill>
                 <a:latin typeface="微軟正黑體" pitchFamily="34" charset="-120"/>
                 <a:ea typeface="微軟正黑體" pitchFamily="34" charset="-120"/>
               </a:rPr>
               <a:t>哈利路亞   來讚美主</a:t>
             </a:r>
             <a:endParaRPr lang="en-US" altLang="zh-TW" sz="5400" b="1" dirty="0">
+              <a:solidFill>
+                <a:srgbClr val="000066"/>
+              </a:solidFill>
               <a:latin typeface="微軟正黑體" pitchFamily="34" charset="-120"/>
               <a:ea typeface="微軟正黑體" pitchFamily="34" charset="-120"/>
             </a:endParaRPr>
@@ -3410,12 +3524,18 @@
             </a:pPr>
             <a:r>
               <a:rPr lang="zh-TW" altLang="en-US" sz="5400" b="1" dirty="0">
+                <a:solidFill>
+                  <a:srgbClr val="000066"/>
+                </a:solidFill>
                 <a:latin typeface="微軟正黑體" pitchFamily="34" charset="-120"/>
                 <a:ea typeface="微軟正黑體" pitchFamily="34" charset="-120"/>
               </a:rPr>
               <a:t>哈利路亞   來稱頌主</a:t>
             </a:r>
             <a:endParaRPr lang="en-US" altLang="zh-TW" sz="5400" b="1" dirty="0">
+              <a:solidFill>
+                <a:srgbClr val="000066"/>
+              </a:solidFill>
               <a:latin typeface="微軟正黑體" pitchFamily="34" charset="-120"/>
               <a:ea typeface="微軟正黑體" pitchFamily="34" charset="-120"/>
             </a:endParaRPr>
@@ -3426,12 +3546,18 @@
             </a:pPr>
             <a:r>
               <a:rPr lang="zh-TW" altLang="en-US" sz="5400" b="1" dirty="0">
+                <a:solidFill>
+                  <a:srgbClr val="000066"/>
+                </a:solidFill>
                 <a:latin typeface="微軟正黑體" pitchFamily="34" charset="-120"/>
                 <a:ea typeface="微軟正黑體" pitchFamily="34" charset="-120"/>
               </a:rPr>
               <a:t>因為你已經為我們創造</a:t>
             </a:r>
             <a:endParaRPr lang="en-US" altLang="zh-TW" sz="5400" b="1" dirty="0">
+              <a:solidFill>
+                <a:srgbClr val="000066"/>
+              </a:solidFill>
               <a:latin typeface="微軟正黑體" pitchFamily="34" charset="-120"/>
               <a:ea typeface="微軟正黑體" pitchFamily="34" charset="-120"/>
             </a:endParaRPr>
@@ -3442,6 +3568,9 @@
             </a:pPr>
             <a:r>
               <a:rPr lang="zh-TW" altLang="en-US" sz="5400" b="1" dirty="0">
+                <a:solidFill>
+                  <a:srgbClr val="000066"/>
+                </a:solidFill>
                 <a:latin typeface="微軟正黑體" pitchFamily="34" charset="-120"/>
                 <a:ea typeface="微軟正黑體" pitchFamily="34" charset="-120"/>
               </a:rPr>
@@ -3492,6 +3621,9 @@
           <a:p>
             <a:r>
               <a:rPr lang="zh-TW" altLang="en-US" b="1" dirty="0">
+                <a:solidFill>
+                  <a:srgbClr val="000066"/>
+                </a:solidFill>
                 <a:latin typeface="微軟正黑體" pitchFamily="34" charset="-120"/>
                 <a:ea typeface="微軟正黑體" pitchFamily="34" charset="-120"/>
               </a:rPr>
@@ -3522,12 +3654,18 @@
             </a:pPr>
             <a:r>
               <a:rPr lang="zh-TW" altLang="en-US" sz="5400" b="1" dirty="0">
+                <a:solidFill>
+                  <a:srgbClr val="000066"/>
+                </a:solidFill>
                 <a:latin typeface="微軟正黑體" pitchFamily="34" charset="-120"/>
                 <a:ea typeface="微軟正黑體" pitchFamily="34" charset="-120"/>
               </a:rPr>
               <a:t>哈利路亞   來讚美主</a:t>
             </a:r>
             <a:endParaRPr lang="en-US" altLang="zh-TW" sz="5400" b="1" dirty="0">
+              <a:solidFill>
+                <a:srgbClr val="000066"/>
+              </a:solidFill>
               <a:latin typeface="微軟正黑體" pitchFamily="34" charset="-120"/>
               <a:ea typeface="微軟正黑體" pitchFamily="34" charset="-120"/>
             </a:endParaRPr>
@@ -3538,12 +3676,18 @@
             </a:pPr>
             <a:r>
               <a:rPr lang="zh-TW" altLang="en-US" sz="5400" b="1" dirty="0">
+                <a:solidFill>
+                  <a:srgbClr val="000066"/>
+                </a:solidFill>
                 <a:latin typeface="微軟正黑體" pitchFamily="34" charset="-120"/>
                 <a:ea typeface="微軟正黑體" pitchFamily="34" charset="-120"/>
               </a:rPr>
               <a:t>哈利路亞   來稱頌主</a:t>
             </a:r>
             <a:endParaRPr lang="en-US" altLang="zh-TW" sz="5400" b="1" dirty="0">
+              <a:solidFill>
+                <a:srgbClr val="000066"/>
+              </a:solidFill>
               <a:latin typeface="微軟正黑體" pitchFamily="34" charset="-120"/>
               <a:ea typeface="微軟正黑體" pitchFamily="34" charset="-120"/>
             </a:endParaRPr>
@@ -3554,12 +3698,18 @@
             </a:pPr>
             <a:r>
               <a:rPr lang="zh-TW" altLang="en-US" sz="5400" b="1" dirty="0">
+                <a:solidFill>
+                  <a:srgbClr val="000066"/>
+                </a:solidFill>
                 <a:latin typeface="微軟正黑體" pitchFamily="34" charset="-120"/>
                 <a:ea typeface="微軟正黑體" pitchFamily="34" charset="-120"/>
               </a:rPr>
               <a:t> 因為你已為我們預備</a:t>
             </a:r>
             <a:endParaRPr lang="en-US" altLang="zh-TW" sz="5400" b="1" dirty="0">
+              <a:solidFill>
+                <a:srgbClr val="000066"/>
+              </a:solidFill>
               <a:latin typeface="微軟正黑體" pitchFamily="34" charset="-120"/>
               <a:ea typeface="微軟正黑體" pitchFamily="34" charset="-120"/>
             </a:endParaRPr>
@@ -3570,6 +3720,9 @@
             </a:pPr>
             <a:r>
               <a:rPr lang="zh-TW" altLang="en-US" sz="5400" b="1" dirty="0">
+                <a:solidFill>
+                  <a:srgbClr val="000066"/>
+                </a:solidFill>
                 <a:latin typeface="微軟正黑體" pitchFamily="34" charset="-120"/>
                 <a:ea typeface="微軟正黑體" pitchFamily="34" charset="-120"/>
               </a:rPr>
@@ -3587,7 +3740,7 @@
 </file>
 
 <file path=ppt/theme/theme1.xml><?xml version="1.0" encoding="utf-8"?>
-<a:theme xmlns:a="http://schemas.openxmlformats.org/drawingml/2006/main" name="Office 佈景主題">
+<a:theme xmlns:a="http://schemas.openxmlformats.org/drawingml/2006/main" name="佈景主題1">
   <a:themeElements>
     <a:clrScheme name="Office">
       <a:dk1>

--- a/新天地.pptx
+++ b/新天地.pptx
@@ -5,12 +5,17 @@
     <p:sldMasterId id="2147483660" r:id="rId1"/>
   </p:sldMasterIdLst>
   <p:sldIdLst>
-    <p:sldId id="258" r:id="rId2"/>
-    <p:sldId id="259" r:id="rId3"/>
-    <p:sldId id="260" r:id="rId4"/>
-    <p:sldId id="261" r:id="rId5"/>
+    <p:sldId id="262" r:id="rId2"/>
+    <p:sldId id="263" r:id="rId3"/>
+    <p:sldId id="264" r:id="rId4"/>
+    <p:sldId id="265" r:id="rId5"/>
+    <p:sldId id="266" r:id="rId6"/>
+    <p:sldId id="267" r:id="rId7"/>
+    <p:sldId id="268" r:id="rId8"/>
+    <p:sldId id="269" r:id="rId9"/>
+    <p:sldId id="270" r:id="rId10"/>
   </p:sldIdLst>
-  <p:sldSz cx="9144000" cy="6858000" type="screen4x3"/>
+  <p:sldSz cx="12192000" cy="6858000"/>
   <p:notesSz cx="6858000" cy="9144000"/>
   <p:defaultTextStyle>
     <a:defPPr>
@@ -107,6 +112,22 @@
       </a:defRPr>
     </a:lvl9pPr>
   </p:defaultTextStyle>
+  <p:extLst>
+    <p:ext uri="{EFAFB233-063F-42B5-8137-9DF3F51BA10A}">
+      <p15:sldGuideLst xmlns:p15="http://schemas.microsoft.com/office/powerpoint/2012/main">
+        <p15:guide id="1" orient="horz" pos="2160" userDrawn="1">
+          <p15:clr>
+            <a:srgbClr val="A4A3A4"/>
+          </p15:clr>
+        </p15:guide>
+        <p15:guide id="2" pos="3840" userDrawn="1">
+          <p15:clr>
+            <a:srgbClr val="A4A3A4"/>
+          </p15:clr>
+        </p15:guide>
+      </p15:sldGuideLst>
+    </p:ext>
+  </p:extLst>
 </p:presentation>
 </file>
 
@@ -139,8 +160,8 @@
         </p:nvSpPr>
         <p:spPr>
           <a:xfrm>
-            <a:off x="685800" y="2130425"/>
-            <a:ext cx="7772400" cy="1470025"/>
+            <a:off x="914400" y="2130426"/>
+            <a:ext cx="10363200" cy="1470025"/>
           </a:xfrm>
         </p:spPr>
         <p:txBody>
@@ -167,8 +188,8 @@
         </p:nvSpPr>
         <p:spPr>
           <a:xfrm>
-            <a:off x="1371600" y="3886200"/>
-            <a:ext cx="6400800" cy="1752600"/>
+            <a:off x="1828800" y="3886200"/>
+            <a:ext cx="8534400" cy="1752600"/>
           </a:xfrm>
         </p:spPr>
         <p:txBody>
@@ -292,7 +313,7 @@
             <a:fld id="{0EF72F35-77C4-41BF-950F-73E663C0E457}" type="datetimeFigureOut">
               <a:rPr lang="zh-TW" altLang="en-US" smtClean="0"/>
               <a:pPr/>
-              <a:t>2019/3/16</a:t>
+              <a:t>2023/3/18</a:t>
             </a:fld>
             <a:endParaRPr lang="zh-TW" altLang="en-US"/>
           </a:p>
@@ -459,7 +480,7 @@
             <a:fld id="{0EF72F35-77C4-41BF-950F-73E663C0E457}" type="datetimeFigureOut">
               <a:rPr lang="zh-TW" altLang="en-US" smtClean="0"/>
               <a:pPr/>
-              <a:t>2019/3/16</a:t>
+              <a:t>2023/3/18</a:t>
             </a:fld>
             <a:endParaRPr lang="zh-TW" altLang="en-US"/>
           </a:p>
@@ -545,8 +566,8 @@
         </p:nvSpPr>
         <p:spPr>
           <a:xfrm>
-            <a:off x="6629400" y="274638"/>
-            <a:ext cx="2057400" cy="5851525"/>
+            <a:off x="8839200" y="274639"/>
+            <a:ext cx="2743200" cy="5851525"/>
           </a:xfrm>
         </p:spPr>
         <p:txBody>
@@ -573,8 +594,8 @@
         </p:nvSpPr>
         <p:spPr>
           <a:xfrm>
-            <a:off x="457200" y="274638"/>
-            <a:ext cx="6019800" cy="5851525"/>
+            <a:off x="609600" y="274639"/>
+            <a:ext cx="8026400" cy="5851525"/>
           </a:xfrm>
         </p:spPr>
         <p:txBody>
@@ -636,7 +657,7 @@
             <a:fld id="{0EF72F35-77C4-41BF-950F-73E663C0E457}" type="datetimeFigureOut">
               <a:rPr lang="zh-TW" altLang="en-US" smtClean="0"/>
               <a:pPr/>
-              <a:t>2019/3/16</a:t>
+              <a:t>2023/3/18</a:t>
             </a:fld>
             <a:endParaRPr lang="zh-TW" altLang="en-US"/>
           </a:p>
@@ -803,7 +824,7 @@
             <a:fld id="{0EF72F35-77C4-41BF-950F-73E663C0E457}" type="datetimeFigureOut">
               <a:rPr lang="zh-TW" altLang="en-US" smtClean="0"/>
               <a:pPr/>
-              <a:t>2019/3/16</a:t>
+              <a:t>2023/3/18</a:t>
             </a:fld>
             <a:endParaRPr lang="zh-TW" altLang="en-US"/>
           </a:p>
@@ -889,8 +910,8 @@
         </p:nvSpPr>
         <p:spPr>
           <a:xfrm>
-            <a:off x="722313" y="4406900"/>
-            <a:ext cx="7772400" cy="1362075"/>
+            <a:off x="963084" y="4406901"/>
+            <a:ext cx="10363200" cy="1362075"/>
           </a:xfrm>
         </p:spPr>
         <p:txBody>
@@ -921,8 +942,8 @@
         </p:nvSpPr>
         <p:spPr>
           <a:xfrm>
-            <a:off x="722313" y="2906713"/>
-            <a:ext cx="7772400" cy="1500187"/>
+            <a:off x="963084" y="2906713"/>
+            <a:ext cx="10363200" cy="1500187"/>
           </a:xfrm>
         </p:spPr>
         <p:txBody>
@@ -1046,7 +1067,7 @@
             <a:fld id="{0EF72F35-77C4-41BF-950F-73E663C0E457}" type="datetimeFigureOut">
               <a:rPr lang="zh-TW" altLang="en-US" smtClean="0"/>
               <a:pPr/>
-              <a:t>2019/3/16</a:t>
+              <a:t>2023/3/18</a:t>
             </a:fld>
             <a:endParaRPr lang="zh-TW" altLang="en-US"/>
           </a:p>
@@ -1155,8 +1176,8 @@
         </p:nvSpPr>
         <p:spPr>
           <a:xfrm>
-            <a:off x="457200" y="1600200"/>
-            <a:ext cx="4038600" cy="4525963"/>
+            <a:off x="609600" y="1600201"/>
+            <a:ext cx="5384800" cy="4525963"/>
           </a:xfrm>
         </p:spPr>
         <p:txBody>
@@ -1240,8 +1261,8 @@
         </p:nvSpPr>
         <p:spPr>
           <a:xfrm>
-            <a:off x="4648200" y="1600200"/>
-            <a:ext cx="4038600" cy="4525963"/>
+            <a:off x="6197600" y="1600201"/>
+            <a:ext cx="5384800" cy="4525963"/>
           </a:xfrm>
         </p:spPr>
         <p:txBody>
@@ -1331,7 +1352,7 @@
             <a:fld id="{0EF72F35-77C4-41BF-950F-73E663C0E457}" type="datetimeFigureOut">
               <a:rPr lang="zh-TW" altLang="en-US" smtClean="0"/>
               <a:pPr/>
-              <a:t>2019/3/16</a:t>
+              <a:t>2023/3/18</a:t>
             </a:fld>
             <a:endParaRPr lang="zh-TW" altLang="en-US"/>
           </a:p>
@@ -1444,8 +1465,8 @@
         </p:nvSpPr>
         <p:spPr>
           <a:xfrm>
-            <a:off x="457200" y="1535113"/>
-            <a:ext cx="4040188" cy="639762"/>
+            <a:off x="609600" y="1535113"/>
+            <a:ext cx="5386917" cy="639762"/>
           </a:xfrm>
         </p:spPr>
         <p:txBody>
@@ -1509,8 +1530,8 @@
         </p:nvSpPr>
         <p:spPr>
           <a:xfrm>
-            <a:off x="457200" y="2174875"/>
-            <a:ext cx="4040188" cy="3951288"/>
+            <a:off x="609600" y="2174875"/>
+            <a:ext cx="5386917" cy="3951288"/>
           </a:xfrm>
         </p:spPr>
         <p:txBody>
@@ -1594,8 +1615,8 @@
         </p:nvSpPr>
         <p:spPr>
           <a:xfrm>
-            <a:off x="4645025" y="1535113"/>
-            <a:ext cx="4041775" cy="639762"/>
+            <a:off x="6193368" y="1535113"/>
+            <a:ext cx="5389033" cy="639762"/>
           </a:xfrm>
         </p:spPr>
         <p:txBody>
@@ -1659,8 +1680,8 @@
         </p:nvSpPr>
         <p:spPr>
           <a:xfrm>
-            <a:off x="4645025" y="2174875"/>
-            <a:ext cx="4041775" cy="3951288"/>
+            <a:off x="6193368" y="2174875"/>
+            <a:ext cx="5389033" cy="3951288"/>
           </a:xfrm>
         </p:spPr>
         <p:txBody>
@@ -1750,7 +1771,7 @@
             <a:fld id="{0EF72F35-77C4-41BF-950F-73E663C0E457}" type="datetimeFigureOut">
               <a:rPr lang="zh-TW" altLang="en-US" smtClean="0"/>
               <a:pPr/>
-              <a:t>2019/3/16</a:t>
+              <a:t>2023/3/18</a:t>
             </a:fld>
             <a:endParaRPr lang="zh-TW" altLang="en-US"/>
           </a:p>
@@ -1865,7 +1886,7 @@
             <a:fld id="{0EF72F35-77C4-41BF-950F-73E663C0E457}" type="datetimeFigureOut">
               <a:rPr lang="zh-TW" altLang="en-US" smtClean="0"/>
               <a:pPr/>
-              <a:t>2019/3/16</a:t>
+              <a:t>2023/3/18</a:t>
             </a:fld>
             <a:endParaRPr lang="zh-TW" altLang="en-US"/>
           </a:p>
@@ -1957,7 +1978,7 @@
             <a:fld id="{0EF72F35-77C4-41BF-950F-73E663C0E457}" type="datetimeFigureOut">
               <a:rPr lang="zh-TW" altLang="en-US" smtClean="0"/>
               <a:pPr/>
-              <a:t>2019/3/16</a:t>
+              <a:t>2023/3/18</a:t>
             </a:fld>
             <a:endParaRPr lang="zh-TW" altLang="en-US"/>
           </a:p>
@@ -2043,8 +2064,8 @@
         </p:nvSpPr>
         <p:spPr>
           <a:xfrm>
-            <a:off x="457200" y="273050"/>
-            <a:ext cx="3008313" cy="1162050"/>
+            <a:off x="609601" y="273050"/>
+            <a:ext cx="4011084" cy="1162050"/>
           </a:xfrm>
         </p:spPr>
         <p:txBody>
@@ -2075,8 +2096,8 @@
         </p:nvSpPr>
         <p:spPr>
           <a:xfrm>
-            <a:off x="3575050" y="273050"/>
-            <a:ext cx="5111750" cy="5853113"/>
+            <a:off x="4766733" y="273051"/>
+            <a:ext cx="6815667" cy="5853113"/>
           </a:xfrm>
         </p:spPr>
         <p:txBody>
@@ -2160,8 +2181,8 @@
         </p:nvSpPr>
         <p:spPr>
           <a:xfrm>
-            <a:off x="457200" y="1435100"/>
-            <a:ext cx="3008313" cy="4691063"/>
+            <a:off x="609601" y="1435101"/>
+            <a:ext cx="4011084" cy="4691063"/>
           </a:xfrm>
         </p:spPr>
         <p:txBody>
@@ -2231,7 +2252,7 @@
             <a:fld id="{0EF72F35-77C4-41BF-950F-73E663C0E457}" type="datetimeFigureOut">
               <a:rPr lang="zh-TW" altLang="en-US" smtClean="0"/>
               <a:pPr/>
-              <a:t>2019/3/16</a:t>
+              <a:t>2023/3/18</a:t>
             </a:fld>
             <a:endParaRPr lang="zh-TW" altLang="en-US"/>
           </a:p>
@@ -2317,8 +2338,8 @@
         </p:nvSpPr>
         <p:spPr>
           <a:xfrm>
-            <a:off x="1792288" y="4800600"/>
-            <a:ext cx="5486400" cy="566738"/>
+            <a:off x="2389717" y="4800600"/>
+            <a:ext cx="7315200" cy="566738"/>
           </a:xfrm>
         </p:spPr>
         <p:txBody>
@@ -2349,8 +2370,8 @@
         </p:nvSpPr>
         <p:spPr>
           <a:xfrm>
-            <a:off x="1792288" y="612775"/>
-            <a:ext cx="5486400" cy="4114800"/>
+            <a:off x="2389717" y="612775"/>
+            <a:ext cx="7315200" cy="4114800"/>
           </a:xfrm>
         </p:spPr>
         <p:txBody>
@@ -2414,8 +2435,8 @@
         </p:nvSpPr>
         <p:spPr>
           <a:xfrm>
-            <a:off x="1792288" y="5367338"/>
-            <a:ext cx="5486400" cy="804862"/>
+            <a:off x="2389717" y="5367338"/>
+            <a:ext cx="7315200" cy="804862"/>
           </a:xfrm>
         </p:spPr>
         <p:txBody>
@@ -2485,7 +2506,7 @@
             <a:fld id="{0EF72F35-77C4-41BF-950F-73E663C0E457}" type="datetimeFigureOut">
               <a:rPr lang="zh-TW" altLang="en-US" smtClean="0"/>
               <a:pPr/>
-              <a:t>2019/3/16</a:t>
+              <a:t>2023/3/18</a:t>
             </a:fld>
             <a:endParaRPr lang="zh-TW" altLang="en-US"/>
           </a:p>
@@ -2581,8 +2602,8 @@
         </p:nvSpPr>
         <p:spPr>
           <a:xfrm>
-            <a:off x="457200" y="274638"/>
-            <a:ext cx="8229600" cy="1143000"/>
+            <a:off x="609600" y="274638"/>
+            <a:ext cx="10972800" cy="1143000"/>
           </a:xfrm>
           <a:prstGeom prst="rect">
             <a:avLst/>
@@ -2614,8 +2635,8 @@
         </p:nvSpPr>
         <p:spPr>
           <a:xfrm>
-            <a:off x="457200" y="1600200"/>
-            <a:ext cx="8229600" cy="4525963"/>
+            <a:off x="609600" y="1600201"/>
+            <a:ext cx="10972800" cy="4525963"/>
           </a:xfrm>
           <a:prstGeom prst="rect">
             <a:avLst/>
@@ -2676,8 +2697,8 @@
         </p:nvSpPr>
         <p:spPr>
           <a:xfrm>
-            <a:off x="457200" y="6356350"/>
-            <a:ext cx="2133600" cy="365125"/>
+            <a:off x="609600" y="6356351"/>
+            <a:ext cx="2844800" cy="365125"/>
           </a:xfrm>
           <a:prstGeom prst="rect">
             <a:avLst/>
@@ -2700,7 +2721,7 @@
             <a:fld id="{0EF72F35-77C4-41BF-950F-73E663C0E457}" type="datetimeFigureOut">
               <a:rPr lang="zh-TW" altLang="en-US" smtClean="0"/>
               <a:pPr/>
-              <a:t>2019/3/16</a:t>
+              <a:t>2023/3/18</a:t>
             </a:fld>
             <a:endParaRPr lang="zh-TW" altLang="en-US"/>
           </a:p>
@@ -2718,8 +2739,8 @@
         </p:nvSpPr>
         <p:spPr>
           <a:xfrm>
-            <a:off x="3124200" y="6356350"/>
-            <a:ext cx="2895600" cy="365125"/>
+            <a:off x="4165600" y="6356351"/>
+            <a:ext cx="3860800" cy="365125"/>
           </a:xfrm>
           <a:prstGeom prst="rect">
             <a:avLst/>
@@ -2755,8 +2776,8 @@
         </p:nvSpPr>
         <p:spPr>
           <a:xfrm>
-            <a:off x="6553200" y="6356350"/>
-            <a:ext cx="2133600" cy="365125"/>
+            <a:off x="8737600" y="6356351"/>
+            <a:ext cx="2844800" cy="365125"/>
           </a:xfrm>
           <a:prstGeom prst="rect">
             <a:avLst/>
@@ -3073,7 +3094,7 @@
       </p:grpSpPr>
       <p:sp>
         <p:nvSpPr>
-          <p:cNvPr id="2" name="標題 1"/>
+          <p:cNvPr id="4" name="標題 3"/>
           <p:cNvSpPr>
             <a:spLocks noGrp="1"/>
           </p:cNvSpPr>
@@ -3081,201 +3102,61 @@
             <p:ph type="title"/>
           </p:nvPr>
         </p:nvSpPr>
-        <p:spPr/>
-        <p:txBody>
-          <a:bodyPr/>
-          <a:lstStyle/>
-          <a:p>
-            <a:r>
-              <a:rPr lang="zh-TW" altLang="en-US" b="1" dirty="0">
+        <p:spPr>
+          <a:xfrm>
+            <a:off x="0" y="2660915"/>
+            <a:ext cx="12192000" cy="1143000"/>
+          </a:xfrm>
+        </p:spPr>
+        <p:txBody>
+          <a:bodyPr>
+            <a:noAutofit/>
+          </a:bodyPr>
+          <a:lstStyle/>
+          <a:p>
+            <a:r>
+              <a:rPr lang="zh-TW" altLang="en-US" sz="7200" b="1" i="1" dirty="0">
                 <a:solidFill>
                   <a:srgbClr val="000066"/>
                 </a:solidFill>
+                <a:effectLst>
+                  <a:outerShdw blurRad="38100" dist="38100" dir="2700000" algn="tl">
+                    <a:srgbClr val="000000">
+                      <a:alpha val="43137"/>
+                    </a:srgbClr>
+                  </a:outerShdw>
+                </a:effectLst>
                 <a:latin typeface="微軟正黑體" pitchFamily="34" charset="-120"/>
                 <a:ea typeface="微軟正黑體" pitchFamily="34" charset="-120"/>
               </a:rPr>
-              <a:t>新天地</a:t>
-            </a:r>
-          </a:p>
-        </p:txBody>
-      </p:sp>
-      <p:sp>
-        <p:nvSpPr>
-          <p:cNvPr id="3" name="內容版面配置區 2"/>
-          <p:cNvSpPr>
-            <a:spLocks noGrp="1"/>
-          </p:cNvSpPr>
-          <p:nvPr>
-            <p:ph idx="1"/>
-          </p:nvPr>
-        </p:nvSpPr>
-        <p:spPr/>
-        <p:txBody>
-          <a:bodyPr>
-            <a:normAutofit/>
-          </a:bodyPr>
-          <a:lstStyle/>
-          <a:p>
-            <a:pPr algn="ctr">
-              <a:buNone/>
-            </a:pPr>
-            <a:r>
-              <a:rPr lang="zh-TW" altLang="en-US" sz="5400" b="1" dirty="0">
+              <a:t>新</a:t>
+            </a:r>
+            <a:r>
+              <a:rPr lang="zh-TW" altLang="en-US" sz="7200" b="1" i="1" dirty="0">
                 <a:solidFill>
                   <a:srgbClr val="000066"/>
                 </a:solidFill>
+                <a:effectLst>
+                  <a:outerShdw blurRad="38100" dist="38100" dir="2700000" algn="tl">
+                    <a:srgbClr val="000000">
+                      <a:alpha val="43137"/>
+                    </a:srgbClr>
+                  </a:outerShdw>
+                </a:effectLst>
                 <a:latin typeface="微軟正黑體" pitchFamily="34" charset="-120"/>
                 <a:ea typeface="微軟正黑體" pitchFamily="34" charset="-120"/>
               </a:rPr>
-              <a:t>我們要來到你</a:t>
-            </a:r>
-            <a:r>
-              <a:rPr lang="zh-TW" altLang="en-US" sz="5400" b="1" dirty="0" smtClean="0">
-                <a:solidFill>
-                  <a:srgbClr val="000066"/>
-                </a:solidFill>
-                <a:latin typeface="微軟正黑體" pitchFamily="34" charset="-120"/>
-                <a:ea typeface="微軟正黑體" pitchFamily="34" charset="-120"/>
-              </a:rPr>
-              <a:t>面前</a:t>
-            </a:r>
-            <a:endParaRPr lang="en-US" altLang="zh-TW" sz="5400" b="1" dirty="0" smtClean="0">
-              <a:solidFill>
-                <a:srgbClr val="000066"/>
-              </a:solidFill>
-              <a:latin typeface="微軟正黑體" pitchFamily="34" charset="-120"/>
-              <a:ea typeface="微軟正黑體" pitchFamily="34" charset="-120"/>
-            </a:endParaRPr>
-          </a:p>
-          <a:p>
-            <a:pPr algn="ctr">
-              <a:buNone/>
-            </a:pPr>
-            <a:r>
-              <a:rPr lang="zh-TW" altLang="en-US" sz="5400" b="1" dirty="0" smtClean="0">
-                <a:solidFill>
-                  <a:srgbClr val="000066"/>
-                </a:solidFill>
-                <a:latin typeface="微軟正黑體" pitchFamily="34" charset="-120"/>
-                <a:ea typeface="微軟正黑體" pitchFamily="34" charset="-120"/>
-              </a:rPr>
-              <a:t>來到</a:t>
-            </a:r>
-            <a:r>
-              <a:rPr lang="zh-TW" altLang="en-US" sz="5400" b="1" dirty="0">
-                <a:solidFill>
-                  <a:srgbClr val="000066"/>
-                </a:solidFill>
-                <a:latin typeface="微軟正黑體" pitchFamily="34" charset="-120"/>
-                <a:ea typeface="微軟正黑體" pitchFamily="34" charset="-120"/>
-              </a:rPr>
-              <a:t>主你的寶座</a:t>
-            </a:r>
-            <a:r>
-              <a:rPr lang="zh-TW" altLang="en-US" sz="5400" b="1" dirty="0" smtClean="0">
-                <a:solidFill>
-                  <a:srgbClr val="000066"/>
-                </a:solidFill>
-                <a:latin typeface="微軟正黑體" pitchFamily="34" charset="-120"/>
-                <a:ea typeface="微軟正黑體" pitchFamily="34" charset="-120"/>
-              </a:rPr>
-              <a:t>前</a:t>
-            </a:r>
-            <a:endParaRPr lang="en-US" altLang="zh-TW" sz="5400" b="1" dirty="0" smtClean="0">
-              <a:solidFill>
-                <a:srgbClr val="000066"/>
-              </a:solidFill>
-              <a:latin typeface="微軟正黑體" pitchFamily="34" charset="-120"/>
-              <a:ea typeface="微軟正黑體" pitchFamily="34" charset="-120"/>
-            </a:endParaRPr>
-          </a:p>
-          <a:p>
-            <a:pPr algn="ctr">
-              <a:buNone/>
-            </a:pPr>
-            <a:r>
-              <a:rPr lang="zh-TW" altLang="en-US" sz="5400" b="1" dirty="0" smtClean="0">
-                <a:solidFill>
-                  <a:srgbClr val="000066"/>
-                </a:solidFill>
-                <a:latin typeface="微軟正黑體" pitchFamily="34" charset="-120"/>
-                <a:ea typeface="微軟正黑體" pitchFamily="34" charset="-120"/>
-              </a:rPr>
-              <a:t>歌頌</a:t>
-            </a:r>
-            <a:r>
-              <a:rPr lang="zh-TW" altLang="en-US" sz="5400" b="1" dirty="0">
-                <a:solidFill>
-                  <a:srgbClr val="000066"/>
-                </a:solidFill>
-                <a:latin typeface="微軟正黑體" pitchFamily="34" charset="-120"/>
-                <a:ea typeface="微軟正黑體" pitchFamily="34" charset="-120"/>
-              </a:rPr>
-              <a:t>你將那</a:t>
-            </a:r>
-            <a:r>
-              <a:rPr lang="zh-TW" altLang="en-US" sz="5400" b="1" dirty="0" smtClean="0">
-                <a:solidFill>
-                  <a:srgbClr val="000066"/>
-                </a:solidFill>
-                <a:latin typeface="微軟正黑體" pitchFamily="34" charset="-120"/>
-                <a:ea typeface="微軟正黑體" pitchFamily="34" charset="-120"/>
-              </a:rPr>
-              <a:t>恩典</a:t>
-            </a:r>
-            <a:endParaRPr lang="en-US" altLang="zh-TW" sz="5400" b="1" dirty="0" smtClean="0">
-              <a:solidFill>
-                <a:srgbClr val="000066"/>
-              </a:solidFill>
-              <a:latin typeface="微軟正黑體" pitchFamily="34" charset="-120"/>
-              <a:ea typeface="微軟正黑體" pitchFamily="34" charset="-120"/>
-            </a:endParaRPr>
-          </a:p>
-          <a:p>
-            <a:pPr algn="ctr">
-              <a:buNone/>
-            </a:pPr>
-            <a:r>
-              <a:rPr lang="zh-TW" altLang="en-US" sz="5400" b="1" dirty="0" smtClean="0">
-                <a:solidFill>
-                  <a:srgbClr val="000066"/>
-                </a:solidFill>
-                <a:latin typeface="微軟正黑體" pitchFamily="34" charset="-120"/>
-                <a:ea typeface="微軟正黑體" pitchFamily="34" charset="-120"/>
-              </a:rPr>
-              <a:t>豐富</a:t>
-            </a:r>
-            <a:r>
-              <a:rPr lang="zh-TW" altLang="en-US" sz="5400" b="1" dirty="0">
-                <a:solidFill>
-                  <a:srgbClr val="000066"/>
-                </a:solidFill>
-                <a:latin typeface="微軟正黑體" pitchFamily="34" charset="-120"/>
-                <a:ea typeface="微軟正黑體" pitchFamily="34" charset="-120"/>
-              </a:rPr>
-              <a:t>賜給</a:t>
-            </a:r>
-            <a:r>
-              <a:rPr lang="zh-TW" altLang="en-US" sz="5400" b="1" dirty="0" smtClean="0">
-                <a:solidFill>
-                  <a:srgbClr val="000066"/>
-                </a:solidFill>
-                <a:latin typeface="微軟正黑體" pitchFamily="34" charset="-120"/>
-                <a:ea typeface="微軟正黑體" pitchFamily="34" charset="-120"/>
-              </a:rPr>
-              <a:t>我們</a:t>
-            </a:r>
-            <a:endParaRPr lang="zh-TW" altLang="en-US" sz="5400" b="1" dirty="0">
-              <a:solidFill>
-                <a:srgbClr val="000066"/>
-              </a:solidFill>
-              <a:latin typeface="微軟正黑體" pitchFamily="34" charset="-120"/>
-              <a:ea typeface="微軟正黑體" pitchFamily="34" charset="-120"/>
-            </a:endParaRPr>
+              <a:t>天地</a:t>
+            </a:r>
           </a:p>
         </p:txBody>
       </p:sp>
     </p:spTree>
+    <p:extLst>
+      <p:ext uri="{BB962C8B-B14F-4D97-AF65-F5344CB8AC3E}">
+        <p14:creationId xmlns:p14="http://schemas.microsoft.com/office/powerpoint/2010/main" val="2226344697"/>
+      </p:ext>
+    </p:extLst>
   </p:cSld>
   <p:clrMapOvr>
     <a:masterClrMapping/>
@@ -3302,63 +3183,70 @@
       </p:grpSpPr>
       <p:sp>
         <p:nvSpPr>
-          <p:cNvPr id="2" name="標題 1"/>
-          <p:cNvSpPr>
-            <a:spLocks noGrp="1"/>
-          </p:cNvSpPr>
-          <p:nvPr>
-            <p:ph type="title"/>
-          </p:nvPr>
-        </p:nvSpPr>
-        <p:spPr/>
-        <p:txBody>
-          <a:bodyPr/>
-          <a:lstStyle/>
-          <a:p>
-            <a:r>
-              <a:rPr lang="zh-TW" altLang="en-US" b="1" dirty="0">
+          <p:cNvPr id="5" name="內容版面配置區 4"/>
+          <p:cNvSpPr>
+            <a:spLocks noGrp="1"/>
+          </p:cNvSpPr>
+          <p:nvPr>
+            <p:ph idx="1"/>
+          </p:nvPr>
+        </p:nvSpPr>
+        <p:spPr>
+          <a:xfrm>
+            <a:off x="0" y="2084851"/>
+            <a:ext cx="12192000" cy="2404863"/>
+          </a:xfrm>
+        </p:spPr>
+        <p:txBody>
+          <a:bodyPr anchor="ctr">
+            <a:normAutofit/>
+          </a:bodyPr>
+          <a:lstStyle/>
+          <a:p>
+            <a:pPr algn="ctr">
+              <a:buNone/>
+            </a:pPr>
+            <a:r>
+              <a:rPr lang="zh-TW" altLang="en-US" sz="6400" b="1" dirty="0">
                 <a:solidFill>
                   <a:srgbClr val="000066"/>
                 </a:solidFill>
                 <a:latin typeface="微軟正黑體" pitchFamily="34" charset="-120"/>
                 <a:ea typeface="微軟正黑體" pitchFamily="34" charset="-120"/>
               </a:rPr>
-              <a:t>新天地</a:t>
-            </a:r>
-          </a:p>
-        </p:txBody>
-      </p:sp>
-      <p:sp>
-        <p:nvSpPr>
-          <p:cNvPr id="3" name="內容版面配置區 2"/>
-          <p:cNvSpPr>
-            <a:spLocks noGrp="1"/>
-          </p:cNvSpPr>
-          <p:nvPr>
-            <p:ph idx="1"/>
-          </p:nvPr>
-        </p:nvSpPr>
-        <p:spPr/>
-        <p:txBody>
-          <a:bodyPr>
-            <a:normAutofit/>
-          </a:bodyPr>
-          <a:lstStyle/>
-          <a:p>
-            <a:pPr algn="ctr">
-              <a:buNone/>
-            </a:pPr>
-            <a:r>
-              <a:rPr lang="zh-TW" altLang="en-US" sz="5400" b="1" dirty="0">
+              <a:t>我們要來到</a:t>
+            </a:r>
+            <a:r>
+              <a:rPr lang="zh-TW" altLang="en-US" sz="6400" b="1" dirty="0">
                 <a:solidFill>
                   <a:srgbClr val="000066"/>
                 </a:solidFill>
                 <a:latin typeface="微軟正黑體" pitchFamily="34" charset="-120"/>
                 <a:ea typeface="微軟正黑體" pitchFamily="34" charset="-120"/>
               </a:rPr>
-              <a:t>我們要來到你面前</a:t>
-            </a:r>
-            <a:endParaRPr lang="en-US" altLang="zh-TW" sz="5400" b="1" dirty="0">
+              <a:t>祢</a:t>
+            </a:r>
+            <a:r>
+              <a:rPr lang="zh-TW" altLang="en-US" sz="6400" b="1" dirty="0">
+                <a:solidFill>
+                  <a:srgbClr val="000066"/>
+                </a:solidFill>
+                <a:latin typeface="微軟正黑體" pitchFamily="34" charset="-120"/>
+                <a:ea typeface="微軟正黑體" pitchFamily="34" charset="-120"/>
+              </a:rPr>
+              <a:t>面</a:t>
+            </a:r>
+            <a:r>
+              <a:rPr lang="zh-TW" altLang="en-US" sz="6400" b="1" dirty="0">
+                <a:solidFill>
+                  <a:srgbClr val="000066"/>
+                </a:solidFill>
+                <a:latin typeface="微軟正黑體" pitchFamily="34" charset="-120"/>
+                <a:ea typeface="微軟正黑體" pitchFamily="34" charset="-120"/>
+              </a:rPr>
+              <a:t>前</a:t>
+            </a:r>
+            <a:endParaRPr lang="en-US" altLang="zh-TW" sz="6400" b="1" dirty="0">
               <a:solidFill>
                 <a:srgbClr val="000066"/>
               </a:solidFill>
@@ -3371,16 +3259,16 @@
               <a:buNone/>
             </a:pPr>
             <a:r>
-              <a:rPr lang="zh-TW" altLang="en-US" sz="5400" b="1" dirty="0">
+              <a:rPr lang="zh-TW" altLang="en-US" sz="6400" b="1" dirty="0">
                 <a:solidFill>
                   <a:srgbClr val="000066"/>
                 </a:solidFill>
                 <a:latin typeface="微軟正黑體" pitchFamily="34" charset="-120"/>
                 <a:ea typeface="微軟正黑體" pitchFamily="34" charset="-120"/>
               </a:rPr>
-              <a:t>來到主你的寶座前</a:t>
-            </a:r>
-            <a:endParaRPr lang="en-US" altLang="zh-TW" sz="5400" b="1" dirty="0">
+              <a:t>來到主祢的寶座前</a:t>
+            </a:r>
+            <a:endParaRPr lang="en-US" altLang="zh-TW" sz="6400" b="1" dirty="0">
               <a:solidFill>
                 <a:srgbClr val="000066"/>
               </a:solidFill>
@@ -3388,46 +3276,76 @@
               <a:ea typeface="微軟正黑體" pitchFamily="34" charset="-120"/>
             </a:endParaRPr>
           </a:p>
-          <a:p>
-            <a:pPr algn="ctr">
-              <a:buNone/>
-            </a:pPr>
-            <a:r>
-              <a:rPr lang="zh-TW" altLang="en-US" sz="5400" b="1" dirty="0">
+        </p:txBody>
+      </p:sp>
+      <p:sp>
+        <p:nvSpPr>
+          <p:cNvPr id="3" name="TextBox 2"/>
+          <p:cNvSpPr txBox="1"/>
+          <p:nvPr/>
+        </p:nvSpPr>
+        <p:spPr>
+          <a:xfrm>
+            <a:off x="0" y="5157192"/>
+            <a:ext cx="12192000" cy="666786"/>
+          </a:xfrm>
+          <a:prstGeom prst="rect">
+            <a:avLst/>
+          </a:prstGeom>
+          <a:noFill/>
+        </p:spPr>
+        <p:txBody>
+          <a:bodyPr wrap="square" rtlCol="0">
+            <a:spAutoFit/>
+          </a:bodyPr>
+          <a:lstStyle/>
+          <a:p>
+            <a:pPr algn="ctr"/>
+            <a:r>
+              <a:rPr lang="en-US" sz="3733" b="1" dirty="0">
                 <a:solidFill>
                   <a:srgbClr val="000066"/>
                 </a:solidFill>
-                <a:latin typeface="微軟正黑體" pitchFamily="34" charset="-120"/>
-                <a:ea typeface="微軟正黑體" pitchFamily="34" charset="-120"/>
+                <a:latin typeface="Microsoft JhengHei" panose="020B0604030504040204" pitchFamily="34" charset="-120"/>
+                <a:ea typeface="Microsoft JhengHei" panose="020B0604030504040204" pitchFamily="34" charset="-120"/>
               </a:rPr>
-              <a:t>舉起雙手來讚美</a:t>
-            </a:r>
-            <a:endParaRPr lang="en-US" altLang="zh-TW" sz="5400" b="1" dirty="0">
+              <a:t>( </a:t>
+            </a:r>
+            <a:r>
+              <a:rPr lang="zh-CN" altLang="en-US" sz="3733" b="1" dirty="0">
+                <a:solidFill>
+                  <a:srgbClr val="000066"/>
+                </a:solidFill>
+                <a:latin typeface="Microsoft JhengHei" panose="020B0604030504040204" pitchFamily="34" charset="-120"/>
+                <a:ea typeface="Microsoft JhengHei" panose="020B0604030504040204" pitchFamily="34" charset="-120"/>
+              </a:rPr>
+              <a:t>正</a:t>
+            </a:r>
+            <a:r>
+              <a:rPr lang="en-US" sz="3733" b="1" dirty="0">
+                <a:solidFill>
+                  <a:srgbClr val="000066"/>
+                </a:solidFill>
+                <a:latin typeface="Microsoft JhengHei" panose="020B0604030504040204" pitchFamily="34" charset="-120"/>
+                <a:ea typeface="Microsoft JhengHei" panose="020B0604030504040204" pitchFamily="34" charset="-120"/>
+              </a:rPr>
+              <a:t> )</a:t>
+            </a:r>
+            <a:endParaRPr lang="vi-VN" sz="3733" b="1" dirty="0">
               <a:solidFill>
                 <a:srgbClr val="000066"/>
               </a:solidFill>
-              <a:latin typeface="微軟正黑體" pitchFamily="34" charset="-120"/>
-              <a:ea typeface="微軟正黑體" pitchFamily="34" charset="-120"/>
+              <a:ea typeface="Microsoft JhengHei" panose="020B0604030504040204" pitchFamily="34" charset="-120"/>
             </a:endParaRPr>
           </a:p>
-          <a:p>
-            <a:pPr algn="ctr">
-              <a:buNone/>
-            </a:pPr>
-            <a:r>
-              <a:rPr lang="zh-TW" altLang="en-US" sz="5400" b="1" dirty="0">
-                <a:solidFill>
-                  <a:srgbClr val="000066"/>
-                </a:solidFill>
-                <a:latin typeface="微軟正黑體" pitchFamily="34" charset="-120"/>
-                <a:ea typeface="微軟正黑體" pitchFamily="34" charset="-120"/>
-              </a:rPr>
-              <a:t>你奇妙的作為</a:t>
-            </a:r>
-          </a:p>
         </p:txBody>
       </p:sp>
     </p:spTree>
+    <p:extLst>
+      <p:ext uri="{BB962C8B-B14F-4D97-AF65-F5344CB8AC3E}">
+        <p14:creationId xmlns:p14="http://schemas.microsoft.com/office/powerpoint/2010/main" val="1586393935"/>
+      </p:ext>
+    </p:extLst>
   </p:cSld>
   <p:clrMapOvr>
     <a:masterClrMapping/>
@@ -3454,63 +3372,40 @@
       </p:grpSpPr>
       <p:sp>
         <p:nvSpPr>
-          <p:cNvPr id="2" name="標題 1"/>
-          <p:cNvSpPr>
-            <a:spLocks noGrp="1"/>
-          </p:cNvSpPr>
-          <p:nvPr>
-            <p:ph type="title"/>
-          </p:nvPr>
-        </p:nvSpPr>
-        <p:spPr/>
-        <p:txBody>
-          <a:bodyPr/>
-          <a:lstStyle/>
-          <a:p>
-            <a:r>
-              <a:rPr lang="zh-TW" altLang="en-US" b="1" dirty="0">
+          <p:cNvPr id="5" name="內容版面配置區 4"/>
+          <p:cNvSpPr>
+            <a:spLocks noGrp="1"/>
+          </p:cNvSpPr>
+          <p:nvPr>
+            <p:ph idx="1"/>
+          </p:nvPr>
+        </p:nvSpPr>
+        <p:spPr>
+          <a:xfrm>
+            <a:off x="0" y="2084851"/>
+            <a:ext cx="12192000" cy="2404863"/>
+          </a:xfrm>
+        </p:spPr>
+        <p:txBody>
+          <a:bodyPr anchor="ctr">
+            <a:normAutofit/>
+          </a:bodyPr>
+          <a:lstStyle/>
+          <a:p>
+            <a:pPr algn="ctr">
+              <a:buNone/>
+            </a:pPr>
+            <a:r>
+              <a:rPr lang="zh-TW" altLang="en-US" sz="6400" b="1" dirty="0">
                 <a:solidFill>
                   <a:srgbClr val="000066"/>
                 </a:solidFill>
                 <a:latin typeface="微軟正黑體" pitchFamily="34" charset="-120"/>
                 <a:ea typeface="微軟正黑體" pitchFamily="34" charset="-120"/>
               </a:rPr>
-              <a:t>新天地</a:t>
-            </a:r>
-          </a:p>
-        </p:txBody>
-      </p:sp>
-      <p:sp>
-        <p:nvSpPr>
-          <p:cNvPr id="3" name="內容版面配置區 2"/>
-          <p:cNvSpPr>
-            <a:spLocks noGrp="1"/>
-          </p:cNvSpPr>
-          <p:nvPr>
-            <p:ph idx="1"/>
-          </p:nvPr>
-        </p:nvSpPr>
-        <p:spPr/>
-        <p:txBody>
-          <a:bodyPr>
-            <a:normAutofit/>
-          </a:bodyPr>
-          <a:lstStyle/>
-          <a:p>
-            <a:pPr algn="ctr">
-              <a:buNone/>
-            </a:pPr>
-            <a:r>
-              <a:rPr lang="zh-TW" altLang="en-US" sz="5400" b="1" dirty="0">
-                <a:solidFill>
-                  <a:srgbClr val="000066"/>
-                </a:solidFill>
-                <a:latin typeface="微軟正黑體" pitchFamily="34" charset="-120"/>
-                <a:ea typeface="微軟正黑體" pitchFamily="34" charset="-120"/>
-              </a:rPr>
-              <a:t>哈利路亞   來讚美主</a:t>
-            </a:r>
-            <a:endParaRPr lang="en-US" altLang="zh-TW" sz="5400" b="1" dirty="0">
+              <a:t>歌頌祢將那恩典</a:t>
+            </a:r>
+            <a:endParaRPr lang="en-US" altLang="zh-TW" sz="6400" b="1" dirty="0">
               <a:solidFill>
                 <a:srgbClr val="000066"/>
               </a:solidFill>
@@ -3523,16 +3418,16 @@
               <a:buNone/>
             </a:pPr>
             <a:r>
-              <a:rPr lang="zh-TW" altLang="en-US" sz="5400" b="1" dirty="0">
+              <a:rPr lang="zh-TW" altLang="en-US" sz="6400" b="1" dirty="0">
                 <a:solidFill>
                   <a:srgbClr val="000066"/>
                 </a:solidFill>
                 <a:latin typeface="微軟正黑體" pitchFamily="34" charset="-120"/>
                 <a:ea typeface="微軟正黑體" pitchFamily="34" charset="-120"/>
               </a:rPr>
-              <a:t>哈利路亞   來稱頌主</a:t>
-            </a:r>
-            <a:endParaRPr lang="en-US" altLang="zh-TW" sz="5400" b="1" dirty="0">
+              <a:t>豐富賜給我們</a:t>
+            </a:r>
+            <a:endParaRPr lang="zh-TW" altLang="en-US" sz="6400" b="1" dirty="0">
               <a:solidFill>
                 <a:srgbClr val="000066"/>
               </a:solidFill>
@@ -3540,46 +3435,76 @@
               <a:ea typeface="微軟正黑體" pitchFamily="34" charset="-120"/>
             </a:endParaRPr>
           </a:p>
-          <a:p>
-            <a:pPr algn="ctr">
-              <a:buNone/>
-            </a:pPr>
-            <a:r>
-              <a:rPr lang="zh-TW" altLang="en-US" sz="5400" b="1" dirty="0">
+        </p:txBody>
+      </p:sp>
+      <p:sp>
+        <p:nvSpPr>
+          <p:cNvPr id="3" name="TextBox 2"/>
+          <p:cNvSpPr txBox="1"/>
+          <p:nvPr/>
+        </p:nvSpPr>
+        <p:spPr>
+          <a:xfrm>
+            <a:off x="0" y="5157192"/>
+            <a:ext cx="12192000" cy="666786"/>
+          </a:xfrm>
+          <a:prstGeom prst="rect">
+            <a:avLst/>
+          </a:prstGeom>
+          <a:noFill/>
+        </p:spPr>
+        <p:txBody>
+          <a:bodyPr wrap="square" rtlCol="0">
+            <a:spAutoFit/>
+          </a:bodyPr>
+          <a:lstStyle/>
+          <a:p>
+            <a:pPr algn="ctr"/>
+            <a:r>
+              <a:rPr lang="en-US" sz="3733" b="1" dirty="0">
                 <a:solidFill>
                   <a:srgbClr val="000066"/>
                 </a:solidFill>
-                <a:latin typeface="微軟正黑體" pitchFamily="34" charset="-120"/>
-                <a:ea typeface="微軟正黑體" pitchFamily="34" charset="-120"/>
+                <a:latin typeface="Microsoft JhengHei" panose="020B0604030504040204" pitchFamily="34" charset="-120"/>
+                <a:ea typeface="Microsoft JhengHei" panose="020B0604030504040204" pitchFamily="34" charset="-120"/>
               </a:rPr>
-              <a:t>因為你已經為我們創造</a:t>
-            </a:r>
-            <a:endParaRPr lang="en-US" altLang="zh-TW" sz="5400" b="1" dirty="0">
+              <a:t>( </a:t>
+            </a:r>
+            <a:r>
+              <a:rPr lang="zh-CN" altLang="en-US" sz="3733" b="1" dirty="0">
+                <a:solidFill>
+                  <a:srgbClr val="000066"/>
+                </a:solidFill>
+                <a:latin typeface="Microsoft JhengHei" panose="020B0604030504040204" pitchFamily="34" charset="-120"/>
+                <a:ea typeface="Microsoft JhengHei" panose="020B0604030504040204" pitchFamily="34" charset="-120"/>
+              </a:rPr>
+              <a:t>正</a:t>
+            </a:r>
+            <a:r>
+              <a:rPr lang="en-US" sz="3733" b="1" dirty="0">
+                <a:solidFill>
+                  <a:srgbClr val="000066"/>
+                </a:solidFill>
+                <a:latin typeface="Microsoft JhengHei" panose="020B0604030504040204" pitchFamily="34" charset="-120"/>
+                <a:ea typeface="Microsoft JhengHei" panose="020B0604030504040204" pitchFamily="34" charset="-120"/>
+              </a:rPr>
+              <a:t> )</a:t>
+            </a:r>
+            <a:endParaRPr lang="vi-VN" sz="3733" b="1" dirty="0">
               <a:solidFill>
                 <a:srgbClr val="000066"/>
               </a:solidFill>
-              <a:latin typeface="微軟正黑體" pitchFamily="34" charset="-120"/>
-              <a:ea typeface="微軟正黑體" pitchFamily="34" charset="-120"/>
+              <a:ea typeface="Microsoft JhengHei" panose="020B0604030504040204" pitchFamily="34" charset="-120"/>
             </a:endParaRPr>
           </a:p>
-          <a:p>
-            <a:pPr algn="ctr">
-              <a:buNone/>
-            </a:pPr>
-            <a:r>
-              <a:rPr lang="zh-TW" altLang="en-US" sz="5400" b="1" dirty="0">
-                <a:solidFill>
-                  <a:srgbClr val="000066"/>
-                </a:solidFill>
-                <a:latin typeface="微軟正黑體" pitchFamily="34" charset="-120"/>
-                <a:ea typeface="微軟正黑體" pitchFamily="34" charset="-120"/>
-              </a:rPr>
-              <a:t>美麗的新天地</a:t>
-            </a:r>
-          </a:p>
         </p:txBody>
       </p:sp>
     </p:spTree>
+    <p:extLst>
+      <p:ext uri="{BB962C8B-B14F-4D97-AF65-F5344CB8AC3E}">
+        <p14:creationId xmlns:p14="http://schemas.microsoft.com/office/powerpoint/2010/main" val="2054224778"/>
+      </p:ext>
+    </p:extLst>
   </p:cSld>
   <p:clrMapOvr>
     <a:masterClrMapping/>
@@ -3606,63 +3531,40 @@
       </p:grpSpPr>
       <p:sp>
         <p:nvSpPr>
-          <p:cNvPr id="2" name="標題 1"/>
-          <p:cNvSpPr>
-            <a:spLocks noGrp="1"/>
-          </p:cNvSpPr>
-          <p:nvPr>
-            <p:ph type="title"/>
-          </p:nvPr>
-        </p:nvSpPr>
-        <p:spPr/>
-        <p:txBody>
-          <a:bodyPr/>
-          <a:lstStyle/>
-          <a:p>
-            <a:r>
-              <a:rPr lang="zh-TW" altLang="en-US" b="1" dirty="0">
+          <p:cNvPr id="5" name="內容版面配置區 4"/>
+          <p:cNvSpPr>
+            <a:spLocks noGrp="1"/>
+          </p:cNvSpPr>
+          <p:nvPr>
+            <p:ph idx="1"/>
+          </p:nvPr>
+        </p:nvSpPr>
+        <p:spPr>
+          <a:xfrm>
+            <a:off x="0" y="2084851"/>
+            <a:ext cx="12192000" cy="2404863"/>
+          </a:xfrm>
+        </p:spPr>
+        <p:txBody>
+          <a:bodyPr anchor="ctr">
+            <a:normAutofit/>
+          </a:bodyPr>
+          <a:lstStyle/>
+          <a:p>
+            <a:pPr algn="ctr">
+              <a:buNone/>
+            </a:pPr>
+            <a:r>
+              <a:rPr lang="zh-TW" altLang="en-US" sz="6400" b="1" dirty="0">
                 <a:solidFill>
                   <a:srgbClr val="000066"/>
                 </a:solidFill>
                 <a:latin typeface="微軟正黑體" pitchFamily="34" charset="-120"/>
                 <a:ea typeface="微軟正黑體" pitchFamily="34" charset="-120"/>
               </a:rPr>
-              <a:t>新天地</a:t>
-            </a:r>
-          </a:p>
-        </p:txBody>
-      </p:sp>
-      <p:sp>
-        <p:nvSpPr>
-          <p:cNvPr id="3" name="內容版面配置區 2"/>
-          <p:cNvSpPr>
-            <a:spLocks noGrp="1"/>
-          </p:cNvSpPr>
-          <p:nvPr>
-            <p:ph idx="1"/>
-          </p:nvPr>
-        </p:nvSpPr>
-        <p:spPr/>
-        <p:txBody>
-          <a:bodyPr>
-            <a:normAutofit/>
-          </a:bodyPr>
-          <a:lstStyle/>
-          <a:p>
-            <a:pPr algn="ctr">
-              <a:buNone/>
-            </a:pPr>
-            <a:r>
-              <a:rPr lang="zh-TW" altLang="en-US" sz="5400" b="1" dirty="0">
-                <a:solidFill>
-                  <a:srgbClr val="000066"/>
-                </a:solidFill>
-                <a:latin typeface="微軟正黑體" pitchFamily="34" charset="-120"/>
-                <a:ea typeface="微軟正黑體" pitchFamily="34" charset="-120"/>
-              </a:rPr>
-              <a:t>哈利路亞   來讚美主</a:t>
-            </a:r>
-            <a:endParaRPr lang="en-US" altLang="zh-TW" sz="5400" b="1" dirty="0">
+              <a:t>我們要來到祢面前</a:t>
+            </a:r>
+            <a:endParaRPr lang="en-US" altLang="zh-TW" sz="6400" b="1" dirty="0">
               <a:solidFill>
                 <a:srgbClr val="000066"/>
               </a:solidFill>
@@ -3675,16 +3577,16 @@
               <a:buNone/>
             </a:pPr>
             <a:r>
-              <a:rPr lang="zh-TW" altLang="en-US" sz="5400" b="1" dirty="0">
+              <a:rPr lang="zh-TW" altLang="en-US" sz="6400" b="1" dirty="0">
                 <a:solidFill>
                   <a:srgbClr val="000066"/>
                 </a:solidFill>
                 <a:latin typeface="微軟正黑體" pitchFamily="34" charset="-120"/>
                 <a:ea typeface="微軟正黑體" pitchFamily="34" charset="-120"/>
               </a:rPr>
-              <a:t>哈利路亞   來稱頌主</a:t>
-            </a:r>
-            <a:endParaRPr lang="en-US" altLang="zh-TW" sz="5400" b="1" dirty="0">
+              <a:t>來到主祢的寶座前</a:t>
+            </a:r>
+            <a:endParaRPr lang="zh-TW" altLang="en-US" sz="6400" b="1" dirty="0">
               <a:solidFill>
                 <a:srgbClr val="000066"/>
               </a:solidFill>
@@ -3692,21 +3594,136 @@
               <a:ea typeface="微軟正黑體" pitchFamily="34" charset="-120"/>
             </a:endParaRPr>
           </a:p>
+        </p:txBody>
+      </p:sp>
+      <p:sp>
+        <p:nvSpPr>
+          <p:cNvPr id="3" name="TextBox 2"/>
+          <p:cNvSpPr txBox="1"/>
+          <p:nvPr/>
+        </p:nvSpPr>
+        <p:spPr>
+          <a:xfrm>
+            <a:off x="0" y="5157192"/>
+            <a:ext cx="12192000" cy="666786"/>
+          </a:xfrm>
+          <a:prstGeom prst="rect">
+            <a:avLst/>
+          </a:prstGeom>
+          <a:noFill/>
+        </p:spPr>
+        <p:txBody>
+          <a:bodyPr wrap="square" rtlCol="0">
+            <a:spAutoFit/>
+          </a:bodyPr>
+          <a:lstStyle/>
+          <a:p>
+            <a:pPr algn="ctr"/>
+            <a:r>
+              <a:rPr lang="en-US" sz="3733" b="1" dirty="0">
+                <a:solidFill>
+                  <a:srgbClr val="000066"/>
+                </a:solidFill>
+                <a:latin typeface="Microsoft JhengHei" panose="020B0604030504040204" pitchFamily="34" charset="-120"/>
+                <a:ea typeface="Microsoft JhengHei" panose="020B0604030504040204" pitchFamily="34" charset="-120"/>
+              </a:rPr>
+              <a:t>( </a:t>
+            </a:r>
+            <a:r>
+              <a:rPr lang="zh-CN" altLang="en-US" sz="3733" b="1" dirty="0">
+                <a:solidFill>
+                  <a:srgbClr val="000066"/>
+                </a:solidFill>
+                <a:latin typeface="Microsoft JhengHei" panose="020B0604030504040204" pitchFamily="34" charset="-120"/>
+                <a:ea typeface="Microsoft JhengHei" panose="020B0604030504040204" pitchFamily="34" charset="-120"/>
+              </a:rPr>
+              <a:t>正</a:t>
+            </a:r>
+            <a:r>
+              <a:rPr lang="en-US" sz="3733" b="1" dirty="0">
+                <a:solidFill>
+                  <a:srgbClr val="000066"/>
+                </a:solidFill>
+                <a:latin typeface="Microsoft JhengHei" panose="020B0604030504040204" pitchFamily="34" charset="-120"/>
+                <a:ea typeface="Microsoft JhengHei" panose="020B0604030504040204" pitchFamily="34" charset="-120"/>
+              </a:rPr>
+              <a:t> )</a:t>
+            </a:r>
+            <a:endParaRPr lang="vi-VN" sz="3733" b="1" dirty="0">
+              <a:solidFill>
+                <a:srgbClr val="000066"/>
+              </a:solidFill>
+              <a:ea typeface="Microsoft JhengHei" panose="020B0604030504040204" pitchFamily="34" charset="-120"/>
+            </a:endParaRPr>
+          </a:p>
+        </p:txBody>
+      </p:sp>
+    </p:spTree>
+    <p:extLst>
+      <p:ext uri="{BB962C8B-B14F-4D97-AF65-F5344CB8AC3E}">
+        <p14:creationId xmlns:p14="http://schemas.microsoft.com/office/powerpoint/2010/main" val="2638855140"/>
+      </p:ext>
+    </p:extLst>
+  </p:cSld>
+  <p:clrMapOvr>
+    <a:masterClrMapping/>
+  </p:clrMapOvr>
+</p:sld>
+</file>
+
+<file path=ppt/slides/slide5.xml><?xml version="1.0" encoding="utf-8"?>
+<p:sld xmlns:a="http://schemas.openxmlformats.org/drawingml/2006/main" xmlns:r="http://schemas.openxmlformats.org/officeDocument/2006/relationships" xmlns:p="http://schemas.openxmlformats.org/presentationml/2006/main">
+  <p:cSld>
+    <p:spTree>
+      <p:nvGrpSpPr>
+        <p:cNvPr id="1" name=""/>
+        <p:cNvGrpSpPr/>
+        <p:nvPr/>
+      </p:nvGrpSpPr>
+      <p:grpSpPr>
+        <a:xfrm>
+          <a:off x="0" y="0"/>
+          <a:ext cx="0" cy="0"/>
+          <a:chOff x="0" y="0"/>
+          <a:chExt cx="0" cy="0"/>
+        </a:xfrm>
+      </p:grpSpPr>
+      <p:sp>
+        <p:nvSpPr>
+          <p:cNvPr id="5" name="內容版面配置區 4"/>
+          <p:cNvSpPr>
+            <a:spLocks noGrp="1"/>
+          </p:cNvSpPr>
+          <p:nvPr>
+            <p:ph idx="1"/>
+          </p:nvPr>
+        </p:nvSpPr>
+        <p:spPr>
+          <a:xfrm>
+            <a:off x="0" y="2084851"/>
+            <a:ext cx="12192000" cy="2404863"/>
+          </a:xfrm>
+        </p:spPr>
+        <p:txBody>
+          <a:bodyPr anchor="ctr">
+            <a:normAutofit/>
+          </a:bodyPr>
+          <a:lstStyle/>
           <a:p>
             <a:pPr algn="ctr">
               <a:buNone/>
             </a:pPr>
             <a:r>
-              <a:rPr lang="zh-TW" altLang="en-US" sz="5400" b="1" dirty="0">
+              <a:rPr lang="zh-TW" altLang="en-US" sz="6400" b="1" dirty="0">
                 <a:solidFill>
                   <a:srgbClr val="000066"/>
                 </a:solidFill>
                 <a:latin typeface="微軟正黑體" pitchFamily="34" charset="-120"/>
                 <a:ea typeface="微軟正黑體" pitchFamily="34" charset="-120"/>
               </a:rPr>
-              <a:t> 因為你已為我們預備</a:t>
-            </a:r>
-            <a:endParaRPr lang="en-US" altLang="zh-TW" sz="5400" b="1" dirty="0">
+              <a:t>舉起雙手來讚美</a:t>
+            </a:r>
+            <a:endParaRPr lang="en-US" altLang="zh-TW" sz="6400" b="1" dirty="0">
               <a:solidFill>
                 <a:srgbClr val="000066"/>
               </a:solidFill>
@@ -3719,7 +3736,643 @@
               <a:buNone/>
             </a:pPr>
             <a:r>
-              <a:rPr lang="zh-TW" altLang="en-US" sz="5400" b="1" dirty="0">
+              <a:rPr lang="zh-TW" altLang="en-US" sz="6400" b="1" dirty="0">
+                <a:solidFill>
+                  <a:srgbClr val="000066"/>
+                </a:solidFill>
+                <a:latin typeface="微軟正黑體" pitchFamily="34" charset="-120"/>
+                <a:ea typeface="微軟正黑體" pitchFamily="34" charset="-120"/>
+              </a:rPr>
+              <a:t>祢奇妙的作為</a:t>
+            </a:r>
+            <a:endParaRPr lang="zh-TW" altLang="en-US" sz="6400" b="1" dirty="0">
+              <a:solidFill>
+                <a:srgbClr val="000066"/>
+              </a:solidFill>
+              <a:latin typeface="微軟正黑體" pitchFamily="34" charset="-120"/>
+              <a:ea typeface="微軟正黑體" pitchFamily="34" charset="-120"/>
+            </a:endParaRPr>
+          </a:p>
+        </p:txBody>
+      </p:sp>
+      <p:sp>
+        <p:nvSpPr>
+          <p:cNvPr id="3" name="TextBox 2"/>
+          <p:cNvSpPr txBox="1"/>
+          <p:nvPr/>
+        </p:nvSpPr>
+        <p:spPr>
+          <a:xfrm>
+            <a:off x="0" y="5157192"/>
+            <a:ext cx="12192000" cy="666786"/>
+          </a:xfrm>
+          <a:prstGeom prst="rect">
+            <a:avLst/>
+          </a:prstGeom>
+          <a:noFill/>
+        </p:spPr>
+        <p:txBody>
+          <a:bodyPr wrap="square" rtlCol="0">
+            <a:spAutoFit/>
+          </a:bodyPr>
+          <a:lstStyle/>
+          <a:p>
+            <a:pPr algn="ctr"/>
+            <a:r>
+              <a:rPr lang="en-US" sz="3733" b="1" dirty="0">
+                <a:solidFill>
+                  <a:srgbClr val="000066"/>
+                </a:solidFill>
+                <a:latin typeface="Microsoft JhengHei" panose="020B0604030504040204" pitchFamily="34" charset="-120"/>
+                <a:ea typeface="Microsoft JhengHei" panose="020B0604030504040204" pitchFamily="34" charset="-120"/>
+              </a:rPr>
+              <a:t>( </a:t>
+            </a:r>
+            <a:r>
+              <a:rPr lang="zh-CN" altLang="en-US" sz="3733" b="1" dirty="0">
+                <a:solidFill>
+                  <a:srgbClr val="000066"/>
+                </a:solidFill>
+                <a:latin typeface="Microsoft JhengHei" panose="020B0604030504040204" pitchFamily="34" charset="-120"/>
+                <a:ea typeface="Microsoft JhengHei" panose="020B0604030504040204" pitchFamily="34" charset="-120"/>
+              </a:rPr>
+              <a:t>正</a:t>
+            </a:r>
+            <a:r>
+              <a:rPr lang="en-US" sz="3733" b="1" dirty="0">
+                <a:solidFill>
+                  <a:srgbClr val="000066"/>
+                </a:solidFill>
+                <a:latin typeface="Microsoft JhengHei" panose="020B0604030504040204" pitchFamily="34" charset="-120"/>
+                <a:ea typeface="Microsoft JhengHei" panose="020B0604030504040204" pitchFamily="34" charset="-120"/>
+              </a:rPr>
+              <a:t> )</a:t>
+            </a:r>
+            <a:endParaRPr lang="vi-VN" sz="3733" b="1" dirty="0">
+              <a:solidFill>
+                <a:srgbClr val="000066"/>
+              </a:solidFill>
+              <a:ea typeface="Microsoft JhengHei" panose="020B0604030504040204" pitchFamily="34" charset="-120"/>
+            </a:endParaRPr>
+          </a:p>
+        </p:txBody>
+      </p:sp>
+    </p:spTree>
+    <p:extLst>
+      <p:ext uri="{BB962C8B-B14F-4D97-AF65-F5344CB8AC3E}">
+        <p14:creationId xmlns:p14="http://schemas.microsoft.com/office/powerpoint/2010/main" val="1653029026"/>
+      </p:ext>
+    </p:extLst>
+  </p:cSld>
+  <p:clrMapOvr>
+    <a:masterClrMapping/>
+  </p:clrMapOvr>
+</p:sld>
+</file>
+
+<file path=ppt/slides/slide6.xml><?xml version="1.0" encoding="utf-8"?>
+<p:sld xmlns:a="http://schemas.openxmlformats.org/drawingml/2006/main" xmlns:r="http://schemas.openxmlformats.org/officeDocument/2006/relationships" xmlns:p="http://schemas.openxmlformats.org/presentationml/2006/main">
+  <p:cSld>
+    <p:spTree>
+      <p:nvGrpSpPr>
+        <p:cNvPr id="1" name=""/>
+        <p:cNvGrpSpPr/>
+        <p:nvPr/>
+      </p:nvGrpSpPr>
+      <p:grpSpPr>
+        <a:xfrm>
+          <a:off x="0" y="0"/>
+          <a:ext cx="0" cy="0"/>
+          <a:chOff x="0" y="0"/>
+          <a:chExt cx="0" cy="0"/>
+        </a:xfrm>
+      </p:grpSpPr>
+      <p:sp>
+        <p:nvSpPr>
+          <p:cNvPr id="5" name="內容版面配置區 4"/>
+          <p:cNvSpPr>
+            <a:spLocks noGrp="1"/>
+          </p:cNvSpPr>
+          <p:nvPr>
+            <p:ph idx="1"/>
+          </p:nvPr>
+        </p:nvSpPr>
+        <p:spPr>
+          <a:xfrm>
+            <a:off x="0" y="2084851"/>
+            <a:ext cx="12192000" cy="2404863"/>
+          </a:xfrm>
+        </p:spPr>
+        <p:txBody>
+          <a:bodyPr anchor="ctr">
+            <a:normAutofit/>
+          </a:bodyPr>
+          <a:lstStyle/>
+          <a:p>
+            <a:pPr algn="ctr">
+              <a:buNone/>
+            </a:pPr>
+            <a:r>
+              <a:rPr lang="zh-TW" altLang="en-US" sz="6400" b="1" dirty="0">
+                <a:solidFill>
+                  <a:srgbClr val="000066"/>
+                </a:solidFill>
+                <a:latin typeface="微軟正黑體" pitchFamily="34" charset="-120"/>
+                <a:ea typeface="微軟正黑體" pitchFamily="34" charset="-120"/>
+              </a:rPr>
+              <a:t>哈利路亞   來讚美主</a:t>
+            </a:r>
+            <a:endParaRPr lang="en-US" altLang="zh-TW" sz="6400" b="1" dirty="0">
+              <a:solidFill>
+                <a:srgbClr val="000066"/>
+              </a:solidFill>
+              <a:latin typeface="微軟正黑體" pitchFamily="34" charset="-120"/>
+              <a:ea typeface="微軟正黑體" pitchFamily="34" charset="-120"/>
+            </a:endParaRPr>
+          </a:p>
+          <a:p>
+            <a:pPr algn="ctr">
+              <a:buNone/>
+            </a:pPr>
+            <a:r>
+              <a:rPr lang="zh-TW" altLang="en-US" sz="6400" b="1" dirty="0">
+                <a:solidFill>
+                  <a:srgbClr val="000066"/>
+                </a:solidFill>
+                <a:latin typeface="微軟正黑體" pitchFamily="34" charset="-120"/>
+                <a:ea typeface="微軟正黑體" pitchFamily="34" charset="-120"/>
+              </a:rPr>
+              <a:t>哈利路亞   來稱頌主</a:t>
+            </a:r>
+            <a:endParaRPr lang="en-US" altLang="zh-TW" sz="6400" b="1" dirty="0">
+              <a:solidFill>
+                <a:srgbClr val="000066"/>
+              </a:solidFill>
+              <a:latin typeface="微軟正黑體" pitchFamily="34" charset="-120"/>
+              <a:ea typeface="微軟正黑體" pitchFamily="34" charset="-120"/>
+            </a:endParaRPr>
+          </a:p>
+        </p:txBody>
+      </p:sp>
+      <p:sp>
+        <p:nvSpPr>
+          <p:cNvPr id="3" name="TextBox 2"/>
+          <p:cNvSpPr txBox="1"/>
+          <p:nvPr/>
+        </p:nvSpPr>
+        <p:spPr>
+          <a:xfrm>
+            <a:off x="0" y="5157192"/>
+            <a:ext cx="12192000" cy="666786"/>
+          </a:xfrm>
+          <a:prstGeom prst="rect">
+            <a:avLst/>
+          </a:prstGeom>
+          <a:noFill/>
+        </p:spPr>
+        <p:txBody>
+          <a:bodyPr wrap="square" rtlCol="0">
+            <a:spAutoFit/>
+          </a:bodyPr>
+          <a:lstStyle/>
+          <a:p>
+            <a:pPr algn="ctr"/>
+            <a:r>
+              <a:rPr lang="en-US" sz="3733" b="1" dirty="0">
+                <a:solidFill>
+                  <a:srgbClr val="000066"/>
+                </a:solidFill>
+                <a:latin typeface="Microsoft JhengHei" panose="020B0604030504040204" pitchFamily="34" charset="-120"/>
+                <a:ea typeface="Microsoft JhengHei" panose="020B0604030504040204" pitchFamily="34" charset="-120"/>
+              </a:rPr>
+              <a:t>( </a:t>
+            </a:r>
+            <a:r>
+              <a:rPr lang="zh-CN" altLang="en-US" sz="3733" b="1" dirty="0">
+                <a:solidFill>
+                  <a:srgbClr val="000066"/>
+                </a:solidFill>
+                <a:latin typeface="Microsoft JhengHei" panose="020B0604030504040204" pitchFamily="34" charset="-120"/>
+                <a:ea typeface="Microsoft JhengHei" panose="020B0604030504040204" pitchFamily="34" charset="-120"/>
+              </a:rPr>
+              <a:t>副</a:t>
+            </a:r>
+            <a:r>
+              <a:rPr lang="en-US" sz="3733" b="1" dirty="0">
+                <a:solidFill>
+                  <a:srgbClr val="000066"/>
+                </a:solidFill>
+                <a:latin typeface="Microsoft JhengHei" panose="020B0604030504040204" pitchFamily="34" charset="-120"/>
+                <a:ea typeface="Microsoft JhengHei" panose="020B0604030504040204" pitchFamily="34" charset="-120"/>
+              </a:rPr>
+              <a:t> )</a:t>
+            </a:r>
+            <a:endParaRPr lang="vi-VN" sz="3733" b="1" dirty="0">
+              <a:solidFill>
+                <a:srgbClr val="000066"/>
+              </a:solidFill>
+              <a:ea typeface="Microsoft JhengHei" panose="020B0604030504040204" pitchFamily="34" charset="-120"/>
+            </a:endParaRPr>
+          </a:p>
+        </p:txBody>
+      </p:sp>
+    </p:spTree>
+    <p:extLst>
+      <p:ext uri="{BB962C8B-B14F-4D97-AF65-F5344CB8AC3E}">
+        <p14:creationId xmlns:p14="http://schemas.microsoft.com/office/powerpoint/2010/main" val="2451757597"/>
+      </p:ext>
+    </p:extLst>
+  </p:cSld>
+  <p:clrMapOvr>
+    <a:masterClrMapping/>
+  </p:clrMapOvr>
+</p:sld>
+</file>
+
+<file path=ppt/slides/slide7.xml><?xml version="1.0" encoding="utf-8"?>
+<p:sld xmlns:a="http://schemas.openxmlformats.org/drawingml/2006/main" xmlns:r="http://schemas.openxmlformats.org/officeDocument/2006/relationships" xmlns:p="http://schemas.openxmlformats.org/presentationml/2006/main">
+  <p:cSld>
+    <p:spTree>
+      <p:nvGrpSpPr>
+        <p:cNvPr id="1" name=""/>
+        <p:cNvGrpSpPr/>
+        <p:nvPr/>
+      </p:nvGrpSpPr>
+      <p:grpSpPr>
+        <a:xfrm>
+          <a:off x="0" y="0"/>
+          <a:ext cx="0" cy="0"/>
+          <a:chOff x="0" y="0"/>
+          <a:chExt cx="0" cy="0"/>
+        </a:xfrm>
+      </p:grpSpPr>
+      <p:sp>
+        <p:nvSpPr>
+          <p:cNvPr id="5" name="內容版面配置區 4"/>
+          <p:cNvSpPr>
+            <a:spLocks noGrp="1"/>
+          </p:cNvSpPr>
+          <p:nvPr>
+            <p:ph idx="1"/>
+          </p:nvPr>
+        </p:nvSpPr>
+        <p:spPr>
+          <a:xfrm>
+            <a:off x="0" y="2084851"/>
+            <a:ext cx="12192000" cy="2404863"/>
+          </a:xfrm>
+        </p:spPr>
+        <p:txBody>
+          <a:bodyPr anchor="ctr">
+            <a:normAutofit/>
+          </a:bodyPr>
+          <a:lstStyle/>
+          <a:p>
+            <a:pPr algn="ctr">
+              <a:buNone/>
+            </a:pPr>
+            <a:r>
+              <a:rPr lang="zh-TW" altLang="en-US" sz="6400" b="1" dirty="0">
+                <a:solidFill>
+                  <a:srgbClr val="000066"/>
+                </a:solidFill>
+                <a:latin typeface="微軟正黑體" pitchFamily="34" charset="-120"/>
+                <a:ea typeface="微軟正黑體" pitchFamily="34" charset="-120"/>
+              </a:rPr>
+              <a:t>因為祢已經為我們創造</a:t>
+            </a:r>
+            <a:endParaRPr lang="en-US" altLang="zh-TW" sz="6400" b="1" dirty="0">
+              <a:solidFill>
+                <a:srgbClr val="000066"/>
+              </a:solidFill>
+              <a:latin typeface="微軟正黑體" pitchFamily="34" charset="-120"/>
+              <a:ea typeface="微軟正黑體" pitchFamily="34" charset="-120"/>
+            </a:endParaRPr>
+          </a:p>
+          <a:p>
+            <a:pPr algn="ctr">
+              <a:buNone/>
+            </a:pPr>
+            <a:r>
+              <a:rPr lang="zh-TW" altLang="en-US" sz="6400" b="1" dirty="0">
+                <a:solidFill>
+                  <a:srgbClr val="000066"/>
+                </a:solidFill>
+                <a:latin typeface="微軟正黑體" pitchFamily="34" charset="-120"/>
+                <a:ea typeface="微軟正黑體" pitchFamily="34" charset="-120"/>
+              </a:rPr>
+              <a:t>美麗的新天地</a:t>
+            </a:r>
+            <a:endParaRPr lang="zh-TW" altLang="en-US" sz="6400" b="1" dirty="0">
+              <a:solidFill>
+                <a:srgbClr val="000066"/>
+              </a:solidFill>
+              <a:latin typeface="微軟正黑體" pitchFamily="34" charset="-120"/>
+              <a:ea typeface="微軟正黑體" pitchFamily="34" charset="-120"/>
+            </a:endParaRPr>
+          </a:p>
+        </p:txBody>
+      </p:sp>
+      <p:sp>
+        <p:nvSpPr>
+          <p:cNvPr id="3" name="TextBox 2"/>
+          <p:cNvSpPr txBox="1"/>
+          <p:nvPr/>
+        </p:nvSpPr>
+        <p:spPr>
+          <a:xfrm>
+            <a:off x="0" y="5157192"/>
+            <a:ext cx="12192000" cy="666786"/>
+          </a:xfrm>
+          <a:prstGeom prst="rect">
+            <a:avLst/>
+          </a:prstGeom>
+          <a:noFill/>
+        </p:spPr>
+        <p:txBody>
+          <a:bodyPr wrap="square" rtlCol="0">
+            <a:spAutoFit/>
+          </a:bodyPr>
+          <a:lstStyle/>
+          <a:p>
+            <a:pPr algn="ctr"/>
+            <a:r>
+              <a:rPr lang="en-US" sz="3733" b="1" dirty="0">
+                <a:solidFill>
+                  <a:srgbClr val="000066"/>
+                </a:solidFill>
+                <a:latin typeface="Microsoft JhengHei" panose="020B0604030504040204" pitchFamily="34" charset="-120"/>
+                <a:ea typeface="Microsoft JhengHei" panose="020B0604030504040204" pitchFamily="34" charset="-120"/>
+              </a:rPr>
+              <a:t>( </a:t>
+            </a:r>
+            <a:r>
+              <a:rPr lang="zh-CN" altLang="en-US" sz="3733" b="1" dirty="0">
+                <a:solidFill>
+                  <a:srgbClr val="000066"/>
+                </a:solidFill>
+                <a:latin typeface="Microsoft JhengHei" panose="020B0604030504040204" pitchFamily="34" charset="-120"/>
+                <a:ea typeface="Microsoft JhengHei" panose="020B0604030504040204" pitchFamily="34" charset="-120"/>
+              </a:rPr>
+              <a:t>副</a:t>
+            </a:r>
+            <a:r>
+              <a:rPr lang="en-US" sz="3733" b="1" dirty="0">
+                <a:solidFill>
+                  <a:srgbClr val="000066"/>
+                </a:solidFill>
+                <a:latin typeface="Microsoft JhengHei" panose="020B0604030504040204" pitchFamily="34" charset="-120"/>
+                <a:ea typeface="Microsoft JhengHei" panose="020B0604030504040204" pitchFamily="34" charset="-120"/>
+              </a:rPr>
+              <a:t> )</a:t>
+            </a:r>
+            <a:endParaRPr lang="vi-VN" sz="3733" b="1" dirty="0">
+              <a:solidFill>
+                <a:srgbClr val="000066"/>
+              </a:solidFill>
+              <a:ea typeface="Microsoft JhengHei" panose="020B0604030504040204" pitchFamily="34" charset="-120"/>
+            </a:endParaRPr>
+          </a:p>
+        </p:txBody>
+      </p:sp>
+    </p:spTree>
+    <p:extLst>
+      <p:ext uri="{BB962C8B-B14F-4D97-AF65-F5344CB8AC3E}">
+        <p14:creationId xmlns:p14="http://schemas.microsoft.com/office/powerpoint/2010/main" val="4087081825"/>
+      </p:ext>
+    </p:extLst>
+  </p:cSld>
+  <p:clrMapOvr>
+    <a:masterClrMapping/>
+  </p:clrMapOvr>
+</p:sld>
+</file>
+
+<file path=ppt/slides/slide8.xml><?xml version="1.0" encoding="utf-8"?>
+<p:sld xmlns:a="http://schemas.openxmlformats.org/drawingml/2006/main" xmlns:r="http://schemas.openxmlformats.org/officeDocument/2006/relationships" xmlns:p="http://schemas.openxmlformats.org/presentationml/2006/main">
+  <p:cSld>
+    <p:spTree>
+      <p:nvGrpSpPr>
+        <p:cNvPr id="1" name=""/>
+        <p:cNvGrpSpPr/>
+        <p:nvPr/>
+      </p:nvGrpSpPr>
+      <p:grpSpPr>
+        <a:xfrm>
+          <a:off x="0" y="0"/>
+          <a:ext cx="0" cy="0"/>
+          <a:chOff x="0" y="0"/>
+          <a:chExt cx="0" cy="0"/>
+        </a:xfrm>
+      </p:grpSpPr>
+      <p:sp>
+        <p:nvSpPr>
+          <p:cNvPr id="5" name="內容版面配置區 4"/>
+          <p:cNvSpPr>
+            <a:spLocks noGrp="1"/>
+          </p:cNvSpPr>
+          <p:nvPr>
+            <p:ph idx="1"/>
+          </p:nvPr>
+        </p:nvSpPr>
+        <p:spPr>
+          <a:xfrm>
+            <a:off x="0" y="2084851"/>
+            <a:ext cx="12192000" cy="2404863"/>
+          </a:xfrm>
+        </p:spPr>
+        <p:txBody>
+          <a:bodyPr anchor="ctr">
+            <a:normAutofit/>
+          </a:bodyPr>
+          <a:lstStyle/>
+          <a:p>
+            <a:pPr algn="ctr">
+              <a:buNone/>
+            </a:pPr>
+            <a:r>
+              <a:rPr lang="zh-TW" altLang="en-US" sz="6400" b="1" dirty="0">
+                <a:solidFill>
+                  <a:srgbClr val="000066"/>
+                </a:solidFill>
+                <a:latin typeface="微軟正黑體" pitchFamily="34" charset="-120"/>
+                <a:ea typeface="微軟正黑體" pitchFamily="34" charset="-120"/>
+              </a:rPr>
+              <a:t>哈利路亞   來讚美主</a:t>
+            </a:r>
+            <a:endParaRPr lang="en-US" altLang="zh-TW" sz="6400" b="1" dirty="0">
+              <a:solidFill>
+                <a:srgbClr val="000066"/>
+              </a:solidFill>
+              <a:latin typeface="微軟正黑體" pitchFamily="34" charset="-120"/>
+              <a:ea typeface="微軟正黑體" pitchFamily="34" charset="-120"/>
+            </a:endParaRPr>
+          </a:p>
+          <a:p>
+            <a:pPr algn="ctr">
+              <a:buNone/>
+            </a:pPr>
+            <a:r>
+              <a:rPr lang="zh-TW" altLang="en-US" sz="6400" b="1" dirty="0">
+                <a:solidFill>
+                  <a:srgbClr val="000066"/>
+                </a:solidFill>
+                <a:latin typeface="微軟正黑體" pitchFamily="34" charset="-120"/>
+                <a:ea typeface="微軟正黑體" pitchFamily="34" charset="-120"/>
+              </a:rPr>
+              <a:t>哈利路亞   來稱頌主</a:t>
+            </a:r>
+            <a:endParaRPr lang="en-US" altLang="zh-TW" sz="6400" b="1" dirty="0">
+              <a:solidFill>
+                <a:srgbClr val="000066"/>
+              </a:solidFill>
+              <a:latin typeface="微軟正黑體" pitchFamily="34" charset="-120"/>
+              <a:ea typeface="微軟正黑體" pitchFamily="34" charset="-120"/>
+            </a:endParaRPr>
+          </a:p>
+        </p:txBody>
+      </p:sp>
+      <p:sp>
+        <p:nvSpPr>
+          <p:cNvPr id="3" name="TextBox 2"/>
+          <p:cNvSpPr txBox="1"/>
+          <p:nvPr/>
+        </p:nvSpPr>
+        <p:spPr>
+          <a:xfrm>
+            <a:off x="0" y="5157192"/>
+            <a:ext cx="12192000" cy="666786"/>
+          </a:xfrm>
+          <a:prstGeom prst="rect">
+            <a:avLst/>
+          </a:prstGeom>
+          <a:noFill/>
+        </p:spPr>
+        <p:txBody>
+          <a:bodyPr wrap="square" rtlCol="0">
+            <a:spAutoFit/>
+          </a:bodyPr>
+          <a:lstStyle/>
+          <a:p>
+            <a:pPr algn="ctr"/>
+            <a:r>
+              <a:rPr lang="en-US" sz="3733" b="1" dirty="0">
+                <a:solidFill>
+                  <a:srgbClr val="000066"/>
+                </a:solidFill>
+                <a:latin typeface="Microsoft JhengHei" panose="020B0604030504040204" pitchFamily="34" charset="-120"/>
+                <a:ea typeface="Microsoft JhengHei" panose="020B0604030504040204" pitchFamily="34" charset="-120"/>
+              </a:rPr>
+              <a:t>( </a:t>
+            </a:r>
+            <a:r>
+              <a:rPr lang="zh-CN" altLang="en-US" sz="3733" b="1" dirty="0">
+                <a:solidFill>
+                  <a:srgbClr val="000066"/>
+                </a:solidFill>
+                <a:latin typeface="Microsoft JhengHei" panose="020B0604030504040204" pitchFamily="34" charset="-120"/>
+                <a:ea typeface="Microsoft JhengHei" panose="020B0604030504040204" pitchFamily="34" charset="-120"/>
+              </a:rPr>
+              <a:t>副</a:t>
+            </a:r>
+            <a:r>
+              <a:rPr lang="en-US" sz="3733" b="1" dirty="0">
+                <a:solidFill>
+                  <a:srgbClr val="000066"/>
+                </a:solidFill>
+                <a:latin typeface="Microsoft JhengHei" panose="020B0604030504040204" pitchFamily="34" charset="-120"/>
+                <a:ea typeface="Microsoft JhengHei" panose="020B0604030504040204" pitchFamily="34" charset="-120"/>
+              </a:rPr>
+              <a:t> )</a:t>
+            </a:r>
+            <a:endParaRPr lang="vi-VN" sz="3733" b="1" dirty="0">
+              <a:solidFill>
+                <a:srgbClr val="000066"/>
+              </a:solidFill>
+              <a:ea typeface="Microsoft JhengHei" panose="020B0604030504040204" pitchFamily="34" charset="-120"/>
+            </a:endParaRPr>
+          </a:p>
+        </p:txBody>
+      </p:sp>
+    </p:spTree>
+    <p:extLst>
+      <p:ext uri="{BB962C8B-B14F-4D97-AF65-F5344CB8AC3E}">
+        <p14:creationId xmlns:p14="http://schemas.microsoft.com/office/powerpoint/2010/main" val="4264900067"/>
+      </p:ext>
+    </p:extLst>
+  </p:cSld>
+  <p:clrMapOvr>
+    <a:masterClrMapping/>
+  </p:clrMapOvr>
+</p:sld>
+</file>
+
+<file path=ppt/slides/slide9.xml><?xml version="1.0" encoding="utf-8"?>
+<p:sld xmlns:a="http://schemas.openxmlformats.org/drawingml/2006/main" xmlns:r="http://schemas.openxmlformats.org/officeDocument/2006/relationships" xmlns:p="http://schemas.openxmlformats.org/presentationml/2006/main">
+  <p:cSld>
+    <p:spTree>
+      <p:nvGrpSpPr>
+        <p:cNvPr id="1" name=""/>
+        <p:cNvGrpSpPr/>
+        <p:nvPr/>
+      </p:nvGrpSpPr>
+      <p:grpSpPr>
+        <a:xfrm>
+          <a:off x="0" y="0"/>
+          <a:ext cx="0" cy="0"/>
+          <a:chOff x="0" y="0"/>
+          <a:chExt cx="0" cy="0"/>
+        </a:xfrm>
+      </p:grpSpPr>
+      <p:sp>
+        <p:nvSpPr>
+          <p:cNvPr id="5" name="內容版面配置區 4"/>
+          <p:cNvSpPr>
+            <a:spLocks noGrp="1"/>
+          </p:cNvSpPr>
+          <p:nvPr>
+            <p:ph idx="1"/>
+          </p:nvPr>
+        </p:nvSpPr>
+        <p:spPr>
+          <a:xfrm>
+            <a:off x="0" y="2084851"/>
+            <a:ext cx="12192000" cy="2404863"/>
+          </a:xfrm>
+        </p:spPr>
+        <p:txBody>
+          <a:bodyPr anchor="ctr">
+            <a:normAutofit/>
+          </a:bodyPr>
+          <a:lstStyle/>
+          <a:p>
+            <a:pPr algn="ctr">
+              <a:buNone/>
+            </a:pPr>
+            <a:r>
+              <a:rPr lang="zh-TW" altLang="en-US" sz="6400" b="1" dirty="0">
+                <a:solidFill>
+                  <a:srgbClr val="000066"/>
+                </a:solidFill>
+                <a:latin typeface="微軟正黑體" pitchFamily="34" charset="-120"/>
+                <a:ea typeface="微軟正黑體" pitchFamily="34" charset="-120"/>
+              </a:rPr>
+              <a:t>因為祢已為我們預備</a:t>
+            </a:r>
+            <a:endParaRPr lang="en-US" altLang="zh-TW" sz="6400" b="1" dirty="0">
+              <a:solidFill>
+                <a:srgbClr val="000066"/>
+              </a:solidFill>
+              <a:latin typeface="微軟正黑體" pitchFamily="34" charset="-120"/>
+              <a:ea typeface="微軟正黑體" pitchFamily="34" charset="-120"/>
+            </a:endParaRPr>
+          </a:p>
+          <a:p>
+            <a:pPr algn="ctr">
+              <a:buNone/>
+            </a:pPr>
+            <a:r>
+              <a:rPr lang="zh-TW" altLang="en-US" sz="6400" b="1" dirty="0">
                 <a:solidFill>
                   <a:srgbClr val="000066"/>
                 </a:solidFill>
@@ -3728,10 +4381,84 @@
               </a:rPr>
               <a:t>新天地</a:t>
             </a:r>
+            <a:endParaRPr lang="zh-TW" altLang="en-US" sz="6400" b="1" dirty="0">
+              <a:solidFill>
+                <a:srgbClr val="000066"/>
+              </a:solidFill>
+              <a:latin typeface="微軟正黑體" pitchFamily="34" charset="-120"/>
+              <a:ea typeface="微軟正黑體" pitchFamily="34" charset="-120"/>
+            </a:endParaRPr>
+          </a:p>
+        </p:txBody>
+      </p:sp>
+      <p:sp>
+        <p:nvSpPr>
+          <p:cNvPr id="3" name="TextBox 2"/>
+          <p:cNvSpPr txBox="1"/>
+          <p:nvPr/>
+        </p:nvSpPr>
+        <p:spPr>
+          <a:xfrm>
+            <a:off x="0" y="5157192"/>
+            <a:ext cx="12192000" cy="666786"/>
+          </a:xfrm>
+          <a:prstGeom prst="rect">
+            <a:avLst/>
+          </a:prstGeom>
+          <a:noFill/>
+        </p:spPr>
+        <p:txBody>
+          <a:bodyPr wrap="square" rtlCol="0">
+            <a:spAutoFit/>
+          </a:bodyPr>
+          <a:lstStyle/>
+          <a:p>
+            <a:pPr algn="ctr"/>
+            <a:r>
+              <a:rPr lang="en-US" sz="3733" b="1" dirty="0">
+                <a:solidFill>
+                  <a:srgbClr val="000066"/>
+                </a:solidFill>
+                <a:latin typeface="Microsoft JhengHei" panose="020B0604030504040204" pitchFamily="34" charset="-120"/>
+                <a:ea typeface="Microsoft JhengHei" panose="020B0604030504040204" pitchFamily="34" charset="-120"/>
+              </a:rPr>
+              <a:t>( </a:t>
+            </a:r>
+            <a:r>
+              <a:rPr lang="zh-CN" altLang="en-US" sz="3733" b="1" dirty="0">
+                <a:solidFill>
+                  <a:srgbClr val="000066"/>
+                </a:solidFill>
+                <a:latin typeface="Microsoft JhengHei" panose="020B0604030504040204" pitchFamily="34" charset="-120"/>
+                <a:ea typeface="Microsoft JhengHei" panose="020B0604030504040204" pitchFamily="34" charset="-120"/>
+              </a:rPr>
+              <a:t>副</a:t>
+            </a:r>
+            <a:r>
+              <a:rPr lang="en-US" sz="3733" b="1" dirty="0">
+                <a:solidFill>
+                  <a:srgbClr val="000066"/>
+                </a:solidFill>
+                <a:latin typeface="Microsoft JhengHei" panose="020B0604030504040204" pitchFamily="34" charset="-120"/>
+                <a:ea typeface="Microsoft JhengHei" panose="020B0604030504040204" pitchFamily="34" charset="-120"/>
+              </a:rPr>
+              <a:t> )</a:t>
+            </a:r>
+            <a:endParaRPr lang="vi-VN" sz="3733" b="1" dirty="0">
+              <a:solidFill>
+                <a:srgbClr val="000066"/>
+              </a:solidFill>
+              <a:ea typeface="Microsoft JhengHei" panose="020B0604030504040204" pitchFamily="34" charset="-120"/>
+            </a:endParaRPr>
           </a:p>
         </p:txBody>
       </p:sp>
     </p:spTree>
+    <p:extLst>
+      <p:ext uri="{BB962C8B-B14F-4D97-AF65-F5344CB8AC3E}">
+        <p14:creationId xmlns:p14="http://schemas.microsoft.com/office/powerpoint/2010/main" val="1156952014"/>
+      </p:ext>
+    </p:extLst>
   </p:cSld>
   <p:clrMapOvr>
     <a:masterClrMapping/>
